--- a/Pictures/test.pptx
+++ b/Pictures/test.pptx
@@ -2,12 +2,12 @@
 <file path=ppt/presentation.xml><?xml version="1.0" encoding="utf-8"?>
 <p:presentation xmlns:a="http://schemas.openxmlformats.org/drawingml/2006/main" xmlns:r="http://schemas.openxmlformats.org/officeDocument/2006/relationships" xmlns:p="http://schemas.openxmlformats.org/presentationml/2006/main">
   <p:sldMasterIdLst>
-    <p:sldMasterId id="2147483744" r:id="rId1"/>
+    <p:sldMasterId id="2147483792" r:id="rId1"/>
   </p:sldMasterIdLst>
   <p:sldIdLst>
     <p:sldId id="256" r:id="rId2"/>
   </p:sldIdLst>
-  <p:sldSz cx="13271500" cy="12599988"/>
+  <p:sldSz cx="13271500" cy="18721388"/>
   <p:notesSz cx="6858000" cy="9144000"/>
   <p:defaultTextStyle>
     <a:defPPr>
@@ -141,8 +141,8 @@
         </p:nvSpPr>
         <p:spPr>
           <a:xfrm>
-            <a:off x="995363" y="2062083"/>
-            <a:ext cx="11280775" cy="4386662"/>
+            <a:off x="995363" y="3063895"/>
+            <a:ext cx="11280775" cy="6517817"/>
           </a:xfrm>
         </p:spPr>
         <p:txBody>
@@ -173,8 +173,8 @@
         </p:nvSpPr>
         <p:spPr>
           <a:xfrm>
-            <a:off x="1658938" y="6617911"/>
-            <a:ext cx="9953625" cy="3042080"/>
+            <a:off x="1658938" y="9833064"/>
+            <a:ext cx="9953625" cy="4520000"/>
           </a:xfrm>
         </p:spPr>
         <p:txBody>
@@ -294,7 +294,7 @@
     </p:spTree>
     <p:extLst>
       <p:ext uri="{BB962C8B-B14F-4D97-AF65-F5344CB8AC3E}">
-        <p14:creationId xmlns:p14="http://schemas.microsoft.com/office/powerpoint/2010/main" val="1058937908"/>
+        <p14:creationId xmlns:p14="http://schemas.microsoft.com/office/powerpoint/2010/main" val="679593410"/>
       </p:ext>
     </p:extLst>
   </p:cSld>
@@ -464,7 +464,7 @@
     </p:spTree>
     <p:extLst>
       <p:ext uri="{BB962C8B-B14F-4D97-AF65-F5344CB8AC3E}">
-        <p14:creationId xmlns:p14="http://schemas.microsoft.com/office/powerpoint/2010/main" val="531288115"/>
+        <p14:creationId xmlns:p14="http://schemas.microsoft.com/office/powerpoint/2010/main" val="4238585939"/>
       </p:ext>
     </p:extLst>
   </p:cSld>
@@ -503,8 +503,8 @@
         </p:nvSpPr>
         <p:spPr>
           <a:xfrm>
-            <a:off x="9497418" y="670833"/>
-            <a:ext cx="2861667" cy="10677907"/>
+            <a:off x="9497418" y="996741"/>
+            <a:ext cx="2861667" cy="15865511"/>
           </a:xfrm>
         </p:spPr>
         <p:txBody>
@@ -531,8 +531,8 @@
         </p:nvSpPr>
         <p:spPr>
           <a:xfrm>
-            <a:off x="912416" y="670833"/>
-            <a:ext cx="8419108" cy="10677907"/>
+            <a:off x="912416" y="996741"/>
+            <a:ext cx="8419108" cy="15865511"/>
           </a:xfrm>
         </p:spPr>
         <p:txBody>
@@ -644,7 +644,7 @@
     </p:spTree>
     <p:extLst>
       <p:ext uri="{BB962C8B-B14F-4D97-AF65-F5344CB8AC3E}">
-        <p14:creationId xmlns:p14="http://schemas.microsoft.com/office/powerpoint/2010/main" val="1938755411"/>
+        <p14:creationId xmlns:p14="http://schemas.microsoft.com/office/powerpoint/2010/main" val="3616052976"/>
       </p:ext>
     </p:extLst>
   </p:cSld>
@@ -814,7 +814,7 @@
     </p:spTree>
     <p:extLst>
       <p:ext uri="{BB962C8B-B14F-4D97-AF65-F5344CB8AC3E}">
-        <p14:creationId xmlns:p14="http://schemas.microsoft.com/office/powerpoint/2010/main" val="2334231055"/>
+        <p14:creationId xmlns:p14="http://schemas.microsoft.com/office/powerpoint/2010/main" val="1550192537"/>
       </p:ext>
     </p:extLst>
   </p:cSld>
@@ -853,8 +853,8 @@
         </p:nvSpPr>
         <p:spPr>
           <a:xfrm>
-            <a:off x="905504" y="3141251"/>
-            <a:ext cx="11446669" cy="5241244"/>
+            <a:off x="905504" y="4667351"/>
+            <a:ext cx="11446669" cy="7787576"/>
           </a:xfrm>
         </p:spPr>
         <p:txBody>
@@ -885,8 +885,8 @@
         </p:nvSpPr>
         <p:spPr>
           <a:xfrm>
-            <a:off x="905504" y="8432079"/>
-            <a:ext cx="11446669" cy="2756246"/>
+            <a:off x="905504" y="12528601"/>
+            <a:ext cx="11446669" cy="4095302"/>
           </a:xfrm>
         </p:spPr>
         <p:txBody>
@@ -1058,7 +1058,7 @@
     </p:spTree>
     <p:extLst>
       <p:ext uri="{BB962C8B-B14F-4D97-AF65-F5344CB8AC3E}">
-        <p14:creationId xmlns:p14="http://schemas.microsoft.com/office/powerpoint/2010/main" val="2244900465"/>
+        <p14:creationId xmlns:p14="http://schemas.microsoft.com/office/powerpoint/2010/main" val="2734415347"/>
       </p:ext>
     </p:extLst>
   </p:cSld>
@@ -1120,8 +1120,8 @@
         </p:nvSpPr>
         <p:spPr>
           <a:xfrm>
-            <a:off x="912415" y="3354163"/>
-            <a:ext cx="5640388" cy="7994577"/>
+            <a:off x="912415" y="4983703"/>
+            <a:ext cx="5640388" cy="11878549"/>
           </a:xfrm>
         </p:spPr>
         <p:txBody>
@@ -1177,8 +1177,8 @@
         </p:nvSpPr>
         <p:spPr>
           <a:xfrm>
-            <a:off x="6718697" y="3354163"/>
-            <a:ext cx="5640388" cy="7994577"/>
+            <a:off x="6718697" y="4983703"/>
+            <a:ext cx="5640388" cy="11878549"/>
           </a:xfrm>
         </p:spPr>
         <p:txBody>
@@ -1290,7 +1290,7 @@
     </p:spTree>
     <p:extLst>
       <p:ext uri="{BB962C8B-B14F-4D97-AF65-F5344CB8AC3E}">
-        <p14:creationId xmlns:p14="http://schemas.microsoft.com/office/powerpoint/2010/main" val="692630075"/>
+        <p14:creationId xmlns:p14="http://schemas.microsoft.com/office/powerpoint/2010/main" val="3760020365"/>
       </p:ext>
     </p:extLst>
   </p:cSld>
@@ -1329,8 +1329,8 @@
         </p:nvSpPr>
         <p:spPr>
           <a:xfrm>
-            <a:off x="914144" y="670836"/>
-            <a:ext cx="11446669" cy="2435415"/>
+            <a:off x="914144" y="996745"/>
+            <a:ext cx="11446669" cy="3618603"/>
           </a:xfrm>
         </p:spPr>
         <p:txBody>
@@ -1357,8 +1357,8 @@
         </p:nvSpPr>
         <p:spPr>
           <a:xfrm>
-            <a:off x="914146" y="3088748"/>
-            <a:ext cx="5614466" cy="1513748"/>
+            <a:off x="914146" y="4589342"/>
+            <a:ext cx="5614466" cy="2249165"/>
           </a:xfrm>
         </p:spPr>
         <p:txBody>
@@ -1422,8 +1422,8 @@
         </p:nvSpPr>
         <p:spPr>
           <a:xfrm>
-            <a:off x="914146" y="4602496"/>
-            <a:ext cx="5614466" cy="6769578"/>
+            <a:off x="914146" y="6838507"/>
+            <a:ext cx="5614466" cy="10058414"/>
           </a:xfrm>
         </p:spPr>
         <p:txBody>
@@ -1479,8 +1479,8 @@
         </p:nvSpPr>
         <p:spPr>
           <a:xfrm>
-            <a:off x="6718698" y="3088748"/>
-            <a:ext cx="5642116" cy="1513748"/>
+            <a:off x="6718698" y="4589342"/>
+            <a:ext cx="5642116" cy="2249165"/>
           </a:xfrm>
         </p:spPr>
         <p:txBody>
@@ -1544,8 +1544,8 @@
         </p:nvSpPr>
         <p:spPr>
           <a:xfrm>
-            <a:off x="6718698" y="4602496"/>
-            <a:ext cx="5642116" cy="6769578"/>
+            <a:off x="6718698" y="6838507"/>
+            <a:ext cx="5642116" cy="10058414"/>
           </a:xfrm>
         </p:spPr>
         <p:txBody>
@@ -1657,7 +1657,7 @@
     </p:spTree>
     <p:extLst>
       <p:ext uri="{BB962C8B-B14F-4D97-AF65-F5344CB8AC3E}">
-        <p14:creationId xmlns:p14="http://schemas.microsoft.com/office/powerpoint/2010/main" val="237343551"/>
+        <p14:creationId xmlns:p14="http://schemas.microsoft.com/office/powerpoint/2010/main" val="1529907417"/>
       </p:ext>
     </p:extLst>
   </p:cSld>
@@ -1775,7 +1775,7 @@
     </p:spTree>
     <p:extLst>
       <p:ext uri="{BB962C8B-B14F-4D97-AF65-F5344CB8AC3E}">
-        <p14:creationId xmlns:p14="http://schemas.microsoft.com/office/powerpoint/2010/main" val="837125046"/>
+        <p14:creationId xmlns:p14="http://schemas.microsoft.com/office/powerpoint/2010/main" val="3991613703"/>
       </p:ext>
     </p:extLst>
   </p:cSld>
@@ -1870,7 +1870,7 @@
     </p:spTree>
     <p:extLst>
       <p:ext uri="{BB962C8B-B14F-4D97-AF65-F5344CB8AC3E}">
-        <p14:creationId xmlns:p14="http://schemas.microsoft.com/office/powerpoint/2010/main" val="1528601058"/>
+        <p14:creationId xmlns:p14="http://schemas.microsoft.com/office/powerpoint/2010/main" val="3119662171"/>
       </p:ext>
     </p:extLst>
   </p:cSld>
@@ -1909,8 +1909,8 @@
         </p:nvSpPr>
         <p:spPr>
           <a:xfrm>
-            <a:off x="914144" y="839999"/>
-            <a:ext cx="4280404" cy="2939997"/>
+            <a:off x="914144" y="1248092"/>
+            <a:ext cx="4280404" cy="4368324"/>
           </a:xfrm>
         </p:spPr>
         <p:txBody>
@@ -1941,8 +1941,8 @@
         </p:nvSpPr>
         <p:spPr>
           <a:xfrm>
-            <a:off x="5642116" y="1814168"/>
-            <a:ext cx="6718697" cy="8954158"/>
+            <a:off x="5642116" y="2695537"/>
+            <a:ext cx="6718697" cy="13304320"/>
           </a:xfrm>
         </p:spPr>
         <p:txBody>
@@ -2026,8 +2026,8 @@
         </p:nvSpPr>
         <p:spPr>
           <a:xfrm>
-            <a:off x="914144" y="3779996"/>
-            <a:ext cx="4280404" cy="7002911"/>
+            <a:off x="914144" y="5616416"/>
+            <a:ext cx="4280404" cy="10405106"/>
           </a:xfrm>
         </p:spPr>
         <p:txBody>
@@ -2147,7 +2147,7 @@
     </p:spTree>
     <p:extLst>
       <p:ext uri="{BB962C8B-B14F-4D97-AF65-F5344CB8AC3E}">
-        <p14:creationId xmlns:p14="http://schemas.microsoft.com/office/powerpoint/2010/main" val="389928195"/>
+        <p14:creationId xmlns:p14="http://schemas.microsoft.com/office/powerpoint/2010/main" val="2338614772"/>
       </p:ext>
     </p:extLst>
   </p:cSld>
@@ -2186,8 +2186,8 @@
         </p:nvSpPr>
         <p:spPr>
           <a:xfrm>
-            <a:off x="914144" y="839999"/>
-            <a:ext cx="4280404" cy="2939997"/>
+            <a:off x="914144" y="1248092"/>
+            <a:ext cx="4280404" cy="4368324"/>
           </a:xfrm>
         </p:spPr>
         <p:txBody>
@@ -2218,8 +2218,8 @@
         </p:nvSpPr>
         <p:spPr>
           <a:xfrm>
-            <a:off x="5642116" y="1814168"/>
-            <a:ext cx="6718697" cy="8954158"/>
+            <a:off x="5642116" y="2695537"/>
+            <a:ext cx="6718697" cy="13304320"/>
           </a:xfrm>
         </p:spPr>
         <p:txBody>
@@ -2283,8 +2283,8 @@
         </p:nvSpPr>
         <p:spPr>
           <a:xfrm>
-            <a:off x="914144" y="3779996"/>
-            <a:ext cx="4280404" cy="7002911"/>
+            <a:off x="914144" y="5616416"/>
+            <a:ext cx="4280404" cy="10405106"/>
           </a:xfrm>
         </p:spPr>
         <p:txBody>
@@ -2404,7 +2404,7 @@
     </p:spTree>
     <p:extLst>
       <p:ext uri="{BB962C8B-B14F-4D97-AF65-F5344CB8AC3E}">
-        <p14:creationId xmlns:p14="http://schemas.microsoft.com/office/powerpoint/2010/main" val="2266908367"/>
+        <p14:creationId xmlns:p14="http://schemas.microsoft.com/office/powerpoint/2010/main" val="3424499283"/>
       </p:ext>
     </p:extLst>
   </p:cSld>
@@ -2448,8 +2448,8 @@
         </p:nvSpPr>
         <p:spPr>
           <a:xfrm>
-            <a:off x="912416" y="670836"/>
-            <a:ext cx="11446669" cy="2435415"/>
+            <a:off x="912416" y="996745"/>
+            <a:ext cx="11446669" cy="3618603"/>
           </a:xfrm>
           <a:prstGeom prst="rect">
             <a:avLst/>
@@ -2481,8 +2481,8 @@
         </p:nvSpPr>
         <p:spPr>
           <a:xfrm>
-            <a:off x="912416" y="3354163"/>
-            <a:ext cx="11446669" cy="7994577"/>
+            <a:off x="912416" y="4983703"/>
+            <a:ext cx="11446669" cy="11878549"/>
           </a:xfrm>
           <a:prstGeom prst="rect">
             <a:avLst/>
@@ -2543,8 +2543,8 @@
         </p:nvSpPr>
         <p:spPr>
           <a:xfrm>
-            <a:off x="912415" y="11678325"/>
-            <a:ext cx="2986088" cy="670833"/>
+            <a:off x="912415" y="17351957"/>
+            <a:ext cx="2986088" cy="996741"/>
           </a:xfrm>
           <a:prstGeom prst="rect">
             <a:avLst/>
@@ -2584,8 +2584,8 @@
         </p:nvSpPr>
         <p:spPr>
           <a:xfrm>
-            <a:off x="4396185" y="11678325"/>
-            <a:ext cx="4479131" cy="670833"/>
+            <a:off x="4396185" y="17351957"/>
+            <a:ext cx="4479131" cy="996741"/>
           </a:xfrm>
           <a:prstGeom prst="rect">
             <a:avLst/>
@@ -2621,8 +2621,8 @@
         </p:nvSpPr>
         <p:spPr>
           <a:xfrm>
-            <a:off x="9372997" y="11678325"/>
-            <a:ext cx="2986088" cy="670833"/>
+            <a:off x="9372997" y="17351957"/>
+            <a:ext cx="2986088" cy="996741"/>
           </a:xfrm>
           <a:prstGeom prst="rect">
             <a:avLst/>
@@ -2653,23 +2653,23 @@
     </p:spTree>
     <p:extLst>
       <p:ext uri="{BB962C8B-B14F-4D97-AF65-F5344CB8AC3E}">
-        <p14:creationId xmlns:p14="http://schemas.microsoft.com/office/powerpoint/2010/main" val="1922113856"/>
+        <p14:creationId xmlns:p14="http://schemas.microsoft.com/office/powerpoint/2010/main" val="1055760090"/>
       </p:ext>
     </p:extLst>
   </p:cSld>
   <p:clrMap bg1="lt1" tx1="dk1" bg2="lt2" tx2="dk2" accent1="accent1" accent2="accent2" accent3="accent3" accent4="accent4" accent5="accent5" accent6="accent6" hlink="hlink" folHlink="folHlink"/>
   <p:sldLayoutIdLst>
-    <p:sldLayoutId id="2147483745" r:id="rId1"/>
-    <p:sldLayoutId id="2147483746" r:id="rId2"/>
-    <p:sldLayoutId id="2147483747" r:id="rId3"/>
-    <p:sldLayoutId id="2147483748" r:id="rId4"/>
-    <p:sldLayoutId id="2147483749" r:id="rId5"/>
-    <p:sldLayoutId id="2147483750" r:id="rId6"/>
-    <p:sldLayoutId id="2147483751" r:id="rId7"/>
-    <p:sldLayoutId id="2147483752" r:id="rId8"/>
-    <p:sldLayoutId id="2147483753" r:id="rId9"/>
-    <p:sldLayoutId id="2147483754" r:id="rId10"/>
-    <p:sldLayoutId id="2147483755" r:id="rId11"/>
+    <p:sldLayoutId id="2147483793" r:id="rId1"/>
+    <p:sldLayoutId id="2147483794" r:id="rId2"/>
+    <p:sldLayoutId id="2147483795" r:id="rId3"/>
+    <p:sldLayoutId id="2147483796" r:id="rId4"/>
+    <p:sldLayoutId id="2147483797" r:id="rId5"/>
+    <p:sldLayoutId id="2147483798" r:id="rId6"/>
+    <p:sldLayoutId id="2147483799" r:id="rId7"/>
+    <p:sldLayoutId id="2147483800" r:id="rId8"/>
+    <p:sldLayoutId id="2147483801" r:id="rId9"/>
+    <p:sldLayoutId id="2147483802" r:id="rId10"/>
+    <p:sldLayoutId id="2147483803" r:id="rId11"/>
   </p:sldLayoutIdLst>
   <p:txStyles>
     <p:titleStyle>
@@ -2986,14 +2986,14 @@
           <p:nvPr>
             <p:extLst>
               <p:ext uri="{D42A27DB-BD31-4B8C-83A1-F6EECF244321}">
-                <p14:modId xmlns:p14="http://schemas.microsoft.com/office/powerpoint/2010/main" val="610680930"/>
+                <p14:modId xmlns:p14="http://schemas.microsoft.com/office/powerpoint/2010/main" val="1136091902"/>
               </p:ext>
             </p:extLst>
           </p:nvPr>
         </p:nvGraphicFramePr>
         <p:xfrm>
           <a:off x="0" y="0"/>
-          <a:ext cx="13271500" cy="12599986"/>
+          <a:ext cx="13271500" cy="18721389"/>
         </p:xfrm>
         <a:graphic>
           <a:graphicData uri="http://schemas.openxmlformats.org/drawingml/2006/table">
@@ -3009,14 +3009,14 @@
                     </a:ext>
                   </a:extLst>
                 </a:gridCol>
-                <a:gridCol w="3637873">
+                <a:gridCol w="4075456">
                   <a:extLst>
                     <a:ext uri="{9D8B030D-6E8A-4147-A177-3AD203B41FA5}">
                       <a16:colId xmlns:a16="http://schemas.microsoft.com/office/drawing/2014/main" val="3861157062"/>
                     </a:ext>
                   </a:extLst>
                 </a:gridCol>
-                <a:gridCol w="5772469">
+                <a:gridCol w="5334886">
                   <a:extLst>
                     <a:ext uri="{9D8B030D-6E8A-4147-A177-3AD203B41FA5}">
                       <a16:colId xmlns:a16="http://schemas.microsoft.com/office/drawing/2014/main" val="2470764656"/>
@@ -3031,7 +3031,7 @@
                   </a:extLst>
                 </a:gridCol>
               </a:tblGrid>
-              <a:tr h="845566">
+              <a:tr h="1187156">
                 <a:tc gridSpan="4">
                   <a:txBody>
                     <a:bodyPr/>
@@ -3055,792 +3055,9 @@
                         <a:defRPr/>
                       </a:pPr>
                       <a:r>
-                        <a:rPr lang="en-US" altLang="zh-CN" sz="3500" b="1" dirty="0"/>
-                        <a:t>Meeting Agenda</a:t>
+                        <a:rPr lang="en-US" altLang="zh-CN" sz="3300" b="1" dirty="0"/>
+                        <a:t>International Conference on Biomedicine and Informatics</a:t>
                       </a:r>
-                      <a:endParaRPr lang="zh-CN" altLang="en-US" sz="3500" b="1" dirty="0"/>
-                    </a:p>
-                  </a:txBody>
-                  <a:tcPr marL="90334" marR="90334" marT="45166" marB="45166" anchor="ctr">
-                    <a:lnL w="12700" cap="flat" cmpd="sng" algn="ctr">
-                      <a:noFill/>
-                      <a:prstDash val="solid"/>
-                      <a:round/>
-                      <a:headEnd type="none" w="med" len="med"/>
-                      <a:tailEnd type="none" w="med" len="med"/>
-                    </a:lnL>
-                    <a:lnR w="12700" cap="flat" cmpd="sng" algn="ctr">
-                      <a:noFill/>
-                      <a:prstDash val="solid"/>
-                      <a:round/>
-                      <a:headEnd type="none" w="med" len="med"/>
-                      <a:tailEnd type="none" w="med" len="med"/>
-                    </a:lnR>
-                    <a:lnT w="28575" cap="flat" cmpd="sng" algn="ctr">
-                      <a:solidFill>
-                        <a:schemeClr val="bg2">
-                          <a:lumMod val="25000"/>
-                        </a:schemeClr>
-                      </a:solidFill>
-                      <a:prstDash val="solid"/>
-                      <a:round/>
-                      <a:headEnd type="none" w="med" len="med"/>
-                      <a:tailEnd type="none" w="med" len="med"/>
-                    </a:lnT>
-                    <a:lnB w="28575" cap="flat" cmpd="sng" algn="ctr">
-                      <a:solidFill>
-                        <a:schemeClr val="bg2">
-                          <a:lumMod val="25000"/>
-                        </a:schemeClr>
-                      </a:solidFill>
-                      <a:prstDash val="solid"/>
-                      <a:round/>
-                      <a:headEnd type="none" w="med" len="med"/>
-                      <a:tailEnd type="none" w="med" len="med"/>
-                    </a:lnB>
-                    <a:lnTlToBr w="12700" cmpd="sng">
-                      <a:noFill/>
-                      <a:prstDash val="solid"/>
-                    </a:lnTlToBr>
-                    <a:lnBlToTr w="12700" cmpd="sng">
-                      <a:noFill/>
-                      <a:prstDash val="solid"/>
-                    </a:lnBlToTr>
-                    <a:solidFill>
-                      <a:schemeClr val="accent1">
-                        <a:lumMod val="75000"/>
-                      </a:schemeClr>
-                    </a:solidFill>
-                  </a:tcPr>
-                </a:tc>
-                <a:tc hMerge="1">
-                  <a:txBody>
-                    <a:bodyPr/>
-                    <a:lstStyle/>
-                    <a:p>
-                      <a:endParaRPr lang="zh-CN" altLang="en-US"/>
-                    </a:p>
-                  </a:txBody>
-                  <a:tcPr/>
-                </a:tc>
-                <a:tc hMerge="1">
-                  <a:txBody>
-                    <a:bodyPr/>
-                    <a:lstStyle/>
-                    <a:p>
-                      <a:endParaRPr lang="zh-CN" altLang="en-US"/>
-                    </a:p>
-                  </a:txBody>
-                  <a:tcPr/>
-                </a:tc>
-                <a:tc hMerge="1">
-                  <a:txBody>
-                    <a:bodyPr/>
-                    <a:lstStyle/>
-                    <a:p>
-                      <a:endParaRPr lang="zh-CN" altLang="en-US"/>
-                    </a:p>
-                  </a:txBody>
-                  <a:tcPr/>
-                </a:tc>
-                <a:extLst>
-                  <a:ext uri="{0D108BD9-81ED-4DB2-BD59-A6C34878D82A}">
-                    <a16:rowId xmlns:a16="http://schemas.microsoft.com/office/drawing/2014/main" val="2506963842"/>
-                  </a:ext>
-                </a:extLst>
-              </a:tr>
-              <a:tr h="998460">
-                <a:tc gridSpan="4">
-                  <a:txBody>
-                    <a:bodyPr/>
-                    <a:lstStyle/>
-                    <a:p>
-                      <a:pPr algn="l"/>
-                      <a:r>
-                        <a:rPr lang="en-US" altLang="zh-CN" sz="1700" b="1" kern="1200" dirty="0">
-                          <a:solidFill>
-                            <a:schemeClr val="accent1">
-                              <a:lumMod val="50000"/>
-                            </a:schemeClr>
-                          </a:solidFill>
-                          <a:effectLst/>
-                          <a:latin typeface="Times New Roman" panose="02020603050405020304" pitchFamily="18" charset="0"/>
-                          <a:cs typeface="Times New Roman" panose="02020603050405020304" pitchFamily="18" charset="0"/>
-                        </a:rPr>
-                        <a:t>August 1,     Beijing Time (CST) : 14</a:t>
-                      </a:r>
-                      <a:r>
-                        <a:rPr lang="zh-CN" altLang="en-US" sz="1700" b="1" kern="1200" dirty="0">
-                          <a:solidFill>
-                            <a:schemeClr val="accent1">
-                              <a:lumMod val="50000"/>
-                            </a:schemeClr>
-                          </a:solidFill>
-                          <a:effectLst/>
-                          <a:latin typeface="Times New Roman" panose="02020603050405020304" pitchFamily="18" charset="0"/>
-                          <a:cs typeface="Times New Roman" panose="02020603050405020304" pitchFamily="18" charset="0"/>
-                        </a:rPr>
-                        <a:t>：</a:t>
-                      </a:r>
-                      <a:r>
-                        <a:rPr lang="en-US" altLang="zh-CN" sz="1700" b="1" kern="1200" dirty="0">
-                          <a:solidFill>
-                            <a:schemeClr val="accent1">
-                              <a:lumMod val="50000"/>
-                            </a:schemeClr>
-                          </a:solidFill>
-                          <a:effectLst/>
-                          <a:latin typeface="Times New Roman" panose="02020603050405020304" pitchFamily="18" charset="0"/>
-                          <a:cs typeface="Times New Roman" panose="02020603050405020304" pitchFamily="18" charset="0"/>
-                        </a:rPr>
-                        <a:t>00,     Berlin Time (CEST) : 8:00              </a:t>
-                      </a:r>
-                    </a:p>
-                    <a:p>
-                      <a:pPr algn="l"/>
-                      <a:r>
-                        <a:rPr lang="en-US" altLang="zh-CN" sz="2000" b="1" kern="1200" dirty="0">
-                          <a:solidFill>
-                            <a:schemeClr val="accent1">
-                              <a:lumMod val="50000"/>
-                            </a:schemeClr>
-                          </a:solidFill>
-                          <a:effectLst/>
-                          <a:latin typeface="Times New Roman" panose="02020603050405020304" pitchFamily="18" charset="0"/>
-                          <a:ea typeface="+mn-ea"/>
-                          <a:cs typeface="Times New Roman" panose="02020603050405020304" pitchFamily="18" charset="0"/>
-                        </a:rPr>
-                        <a:t>Place: Tencent Meeting</a:t>
-                      </a:r>
-                      <a:r>
-                        <a:rPr lang="en-US" altLang="zh-CN" sz="1700" b="1" kern="1200" dirty="0">
-                          <a:solidFill>
-                            <a:schemeClr val="accent1">
-                              <a:lumMod val="50000"/>
-                            </a:schemeClr>
-                          </a:solidFill>
-                          <a:effectLst/>
-                          <a:latin typeface="Times New Roman" panose="02020603050405020304" pitchFamily="18" charset="0"/>
-                          <a:ea typeface="+mn-ea"/>
-                          <a:cs typeface="Times New Roman" panose="02020603050405020304" pitchFamily="18" charset="0"/>
-                        </a:rPr>
-                        <a:t>  (</a:t>
-                      </a:r>
-                      <a:r>
-                        <a:rPr lang="en-US" altLang="zh-CN" sz="1700" b="1" kern="1200" dirty="0" err="1">
-                          <a:solidFill>
-                            <a:schemeClr val="accent1">
-                              <a:lumMod val="50000"/>
-                            </a:schemeClr>
-                          </a:solidFill>
-                          <a:effectLst/>
-                          <a:latin typeface="Times New Roman" panose="02020603050405020304" pitchFamily="18" charset="0"/>
-                          <a:ea typeface="+mn-ea"/>
-                          <a:cs typeface="Times New Roman" panose="02020603050405020304" pitchFamily="18" charset="0"/>
-                        </a:rPr>
-                        <a:t>VooV</a:t>
-                      </a:r>
-                      <a:r>
-                        <a:rPr lang="en-US" altLang="zh-CN" sz="1700" b="1" kern="1200" dirty="0">
-                          <a:solidFill>
-                            <a:schemeClr val="accent1">
-                              <a:lumMod val="50000"/>
-                            </a:schemeClr>
-                          </a:solidFill>
-                          <a:effectLst/>
-                          <a:latin typeface="Times New Roman" panose="02020603050405020304" pitchFamily="18" charset="0"/>
-                          <a:ea typeface="+mn-ea"/>
-                          <a:cs typeface="Times New Roman" panose="02020603050405020304" pitchFamily="18" charset="0"/>
-                        </a:rPr>
-                        <a:t> Meeting)   </a:t>
-                      </a:r>
-                    </a:p>
-                    <a:p>
-                      <a:pPr algn="l"/>
-                      <a:r>
-                        <a:rPr lang="en-US" altLang="zh-CN" sz="1700" b="1" kern="1200" dirty="0">
-                          <a:solidFill>
-                            <a:schemeClr val="accent1">
-                              <a:lumMod val="50000"/>
-                            </a:schemeClr>
-                          </a:solidFill>
-                          <a:effectLst/>
-                          <a:latin typeface="Times New Roman" panose="02020603050405020304" pitchFamily="18" charset="0"/>
-                          <a:ea typeface="+mn-ea"/>
-                          <a:cs typeface="Times New Roman" panose="02020603050405020304" pitchFamily="18" charset="0"/>
-                          <a:hlinkClick r:id="rId2"/>
-                        </a:rPr>
-                        <a:t>Meeting Link</a:t>
-                      </a:r>
-                      <a:r>
-                        <a:rPr lang="zh-CN" altLang="en-US" sz="1700" b="1" kern="1200" dirty="0">
-                          <a:solidFill>
-                            <a:schemeClr val="accent1">
-                              <a:lumMod val="50000"/>
-                            </a:schemeClr>
-                          </a:solidFill>
-                          <a:effectLst/>
-                          <a:latin typeface="Times New Roman" panose="02020603050405020304" pitchFamily="18" charset="0"/>
-                          <a:ea typeface="+mn-ea"/>
-                          <a:cs typeface="Times New Roman" panose="02020603050405020304" pitchFamily="18" charset="0"/>
-                          <a:hlinkClick r:id="rId2"/>
-                        </a:rPr>
-                        <a:t>：</a:t>
-                      </a:r>
-                      <a:r>
-                        <a:rPr lang="en-US" altLang="zh-CN" sz="1700" b="1" kern="1200" dirty="0">
-                          <a:solidFill>
-                            <a:schemeClr val="accent1">
-                              <a:lumMod val="50000"/>
-                            </a:schemeClr>
-                          </a:solidFill>
-                          <a:effectLst/>
-                          <a:latin typeface="Times New Roman" panose="02020603050405020304" pitchFamily="18" charset="0"/>
-                          <a:ea typeface="+mn-ea"/>
-                          <a:cs typeface="Times New Roman" panose="02020603050405020304" pitchFamily="18" charset="0"/>
-                          <a:hlinkClick r:id="rId2"/>
-                        </a:rPr>
-                        <a:t>https://meeting.tencent.com/dm/19DIATdE7qrN</a:t>
-                      </a:r>
-                      <a:r>
-                        <a:rPr lang="en-US" altLang="zh-CN" sz="1700" b="1" kern="1200" dirty="0">
-                          <a:solidFill>
-                            <a:schemeClr val="accent1">
-                              <a:lumMod val="50000"/>
-                            </a:schemeClr>
-                          </a:solidFill>
-                          <a:effectLst/>
-                          <a:latin typeface="Times New Roman" panose="02020603050405020304" pitchFamily="18" charset="0"/>
-                          <a:ea typeface="+mn-ea"/>
-                          <a:cs typeface="Times New Roman" panose="02020603050405020304" pitchFamily="18" charset="0"/>
-                        </a:rPr>
-                        <a:t> ,     Meeting</a:t>
-                      </a:r>
-                      <a:r>
-                        <a:rPr lang="zh-CN" altLang="en-US" sz="1700" b="1" kern="1200" dirty="0">
-                          <a:solidFill>
-                            <a:schemeClr val="accent1">
-                              <a:lumMod val="50000"/>
-                            </a:schemeClr>
-                          </a:solidFill>
-                          <a:effectLst/>
-                          <a:latin typeface="Times New Roman" panose="02020603050405020304" pitchFamily="18" charset="0"/>
-                          <a:ea typeface="+mn-ea"/>
-                          <a:cs typeface="Times New Roman" panose="02020603050405020304" pitchFamily="18" charset="0"/>
-                        </a:rPr>
-                        <a:t> </a:t>
-                      </a:r>
-                      <a:r>
-                        <a:rPr lang="en-US" altLang="zh-CN" sz="1700" b="1" kern="1200" dirty="0">
-                          <a:solidFill>
-                            <a:schemeClr val="accent1">
-                              <a:lumMod val="50000"/>
-                            </a:schemeClr>
-                          </a:solidFill>
-                          <a:effectLst/>
-                          <a:latin typeface="Times New Roman" panose="02020603050405020304" pitchFamily="18" charset="0"/>
-                          <a:ea typeface="+mn-ea"/>
-                          <a:cs typeface="Times New Roman" panose="02020603050405020304" pitchFamily="18" charset="0"/>
-                        </a:rPr>
-                        <a:t>Number</a:t>
-                      </a:r>
-                      <a:r>
-                        <a:rPr lang="zh-CN" altLang="en-US" sz="1700" b="1" kern="1200" dirty="0">
-                          <a:solidFill>
-                            <a:schemeClr val="accent1">
-                              <a:lumMod val="50000"/>
-                            </a:schemeClr>
-                          </a:solidFill>
-                          <a:effectLst/>
-                          <a:latin typeface="Times New Roman" panose="02020603050405020304" pitchFamily="18" charset="0"/>
-                          <a:ea typeface="+mn-ea"/>
-                          <a:cs typeface="Times New Roman" panose="02020603050405020304" pitchFamily="18" charset="0"/>
-                        </a:rPr>
-                        <a:t>：</a:t>
-                      </a:r>
-                      <a:r>
-                        <a:rPr lang="en-US" altLang="zh-CN" sz="1700" b="1" kern="1200" dirty="0">
-                          <a:solidFill>
-                            <a:schemeClr val="accent1">
-                              <a:lumMod val="50000"/>
-                            </a:schemeClr>
-                          </a:solidFill>
-                          <a:effectLst/>
-                          <a:latin typeface="Times New Roman" panose="02020603050405020304" pitchFamily="18" charset="0"/>
-                          <a:ea typeface="+mn-ea"/>
-                          <a:cs typeface="Times New Roman" panose="02020603050405020304" pitchFamily="18" charset="0"/>
-                        </a:rPr>
-                        <a:t>136-954-101</a:t>
-                      </a:r>
-                      <a:endParaRPr lang="zh-CN" altLang="en-US" sz="1700" b="1" kern="1200" dirty="0">
-                        <a:solidFill>
-                          <a:schemeClr val="accent1">
-                            <a:lumMod val="50000"/>
-                          </a:schemeClr>
-                        </a:solidFill>
-                        <a:effectLst/>
-                        <a:latin typeface="Times New Roman" panose="02020603050405020304" pitchFamily="18" charset="0"/>
-                        <a:ea typeface="+mn-ea"/>
-                        <a:cs typeface="Times New Roman" panose="02020603050405020304" pitchFamily="18" charset="0"/>
-                      </a:endParaRPr>
-                    </a:p>
-                  </a:txBody>
-                  <a:tcPr marL="90334" marR="90334" marT="45166" marB="45166" anchor="ctr">
-                    <a:lnT w="28575" cap="flat" cmpd="sng" algn="ctr">
-                      <a:solidFill>
-                        <a:schemeClr val="bg2">
-                          <a:lumMod val="25000"/>
-                        </a:schemeClr>
-                      </a:solidFill>
-                      <a:prstDash val="solid"/>
-                      <a:round/>
-                      <a:headEnd type="none" w="med" len="med"/>
-                      <a:tailEnd type="none" w="med" len="med"/>
-                    </a:lnT>
-                    <a:lnB w="19050" cap="flat" cmpd="sng" algn="ctr">
-                      <a:solidFill>
-                        <a:schemeClr val="accent1">
-                          <a:lumMod val="75000"/>
-                        </a:schemeClr>
-                      </a:solidFill>
-                      <a:prstDash val="solid"/>
-                      <a:round/>
-                      <a:headEnd type="none" w="med" len="med"/>
-                      <a:tailEnd type="none" w="med" len="med"/>
-                    </a:lnB>
-                  </a:tcPr>
-                </a:tc>
-                <a:tc hMerge="1">
-                  <a:txBody>
-                    <a:bodyPr/>
-                    <a:lstStyle/>
-                    <a:p>
-                      <a:endParaRPr lang="zh-CN" altLang="en-US"/>
-                    </a:p>
-                  </a:txBody>
-                  <a:tcPr/>
-                </a:tc>
-                <a:tc hMerge="1">
-                  <a:txBody>
-                    <a:bodyPr/>
-                    <a:lstStyle/>
-                    <a:p>
-                      <a:endParaRPr lang="zh-CN" altLang="en-US" dirty="0"/>
-                    </a:p>
-                  </a:txBody>
-                  <a:tcPr/>
-                </a:tc>
-                <a:tc hMerge="1">
-                  <a:txBody>
-                    <a:bodyPr/>
-                    <a:lstStyle/>
-                    <a:p>
-                      <a:endParaRPr lang="zh-CN" altLang="en-US"/>
-                    </a:p>
-                  </a:txBody>
-                  <a:tcPr/>
-                </a:tc>
-                <a:extLst>
-                  <a:ext uri="{0D108BD9-81ED-4DB2-BD59-A6C34878D82A}">
-                    <a16:rowId xmlns:a16="http://schemas.microsoft.com/office/drawing/2014/main" val="4171041695"/>
-                  </a:ext>
-                </a:extLst>
-              </a:tr>
-              <a:tr h="675435">
-                <a:tc>
-                  <a:txBody>
-                    <a:bodyPr/>
-                    <a:lstStyle/>
-                    <a:p>
-                      <a:pPr algn="ctr"/>
-                      <a:r>
-                        <a:rPr lang="en-US" altLang="zh-CN" sz="2400" b="1" spc="100" baseline="0" dirty="0">
-                          <a:latin typeface="Courier New" panose="02070309020205020404" pitchFamily="49" charset="0"/>
-                          <a:cs typeface="Courier New" panose="02070309020205020404" pitchFamily="49" charset="0"/>
-                        </a:rPr>
-                        <a:t>Time</a:t>
-                      </a:r>
-                      <a:endParaRPr lang="zh-CN" altLang="en-US" sz="2400" b="1" spc="100" baseline="0" dirty="0">
-                        <a:latin typeface="Courier New" panose="02070309020205020404" pitchFamily="49" charset="0"/>
-                        <a:cs typeface="Courier New" panose="02070309020205020404" pitchFamily="49" charset="0"/>
-                      </a:endParaRPr>
-                    </a:p>
-                  </a:txBody>
-                  <a:tcPr marL="90334" marR="90334" marT="45166" marB="45166" anchor="ctr">
-                    <a:lnL>
-                      <a:noFill/>
-                    </a:lnL>
-                    <a:lnR w="19050" cap="flat" cmpd="sng" algn="ctr">
-                      <a:solidFill>
-                        <a:schemeClr val="bg1"/>
-                      </a:solidFill>
-                      <a:prstDash val="solid"/>
-                      <a:round/>
-                      <a:headEnd type="none" w="med" len="med"/>
-                      <a:tailEnd type="none" w="med" len="med"/>
-                    </a:lnR>
-                    <a:lnT w="19050" cap="flat" cmpd="sng" algn="ctr">
-                      <a:solidFill>
-                        <a:schemeClr val="accent1">
-                          <a:lumMod val="75000"/>
-                        </a:schemeClr>
-                      </a:solidFill>
-                      <a:prstDash val="solid"/>
-                      <a:round/>
-                      <a:headEnd type="none" w="med" len="med"/>
-                      <a:tailEnd type="none" w="med" len="med"/>
-                    </a:lnT>
-                    <a:lnB w="19050" cap="flat" cmpd="sng" algn="ctr">
-                      <a:solidFill>
-                        <a:schemeClr val="accent1">
-                          <a:lumMod val="75000"/>
-                        </a:schemeClr>
-                      </a:solidFill>
-                      <a:prstDash val="solid"/>
-                      <a:round/>
-                      <a:headEnd type="none" w="med" len="med"/>
-                      <a:tailEnd type="none" w="med" len="med"/>
-                    </a:lnB>
-                    <a:lnTlToBr w="12700" cmpd="sng">
-                      <a:noFill/>
-                      <a:prstDash val="solid"/>
-                    </a:lnTlToBr>
-                    <a:lnBlToTr w="12700" cmpd="sng">
-                      <a:noFill/>
-                      <a:prstDash val="solid"/>
-                    </a:lnBlToTr>
-                    <a:solidFill>
-                      <a:schemeClr val="accent1">
-                        <a:lumMod val="40000"/>
-                        <a:lumOff val="60000"/>
-                      </a:schemeClr>
-                    </a:solidFill>
-                  </a:tcPr>
-                </a:tc>
-                <a:tc>
-                  <a:txBody>
-                    <a:bodyPr/>
-                    <a:lstStyle/>
-                    <a:p>
-                      <a:pPr algn="ctr"/>
-                      <a:r>
-                        <a:rPr lang="en-US" altLang="zh-CN" sz="2400" b="1" spc="100" baseline="0" dirty="0">
-                          <a:effectLst/>
-                          <a:latin typeface="Courier New" panose="02070309020205020404" pitchFamily="49" charset="0"/>
-                          <a:cs typeface="Courier New" panose="02070309020205020404" pitchFamily="49" charset="0"/>
-                        </a:rPr>
-                        <a:t>Presenter</a:t>
-                      </a:r>
-                      <a:endParaRPr lang="zh-CN" altLang="en-US" sz="2400" b="1" spc="100" baseline="0" dirty="0">
-                        <a:latin typeface="Courier New" panose="02070309020205020404" pitchFamily="49" charset="0"/>
-                        <a:cs typeface="Courier New" panose="02070309020205020404" pitchFamily="49" charset="0"/>
-                      </a:endParaRPr>
-                    </a:p>
-                  </a:txBody>
-                  <a:tcPr marL="90334" marR="90334" marT="45166" marB="45166" anchor="ctr">
-                    <a:lnL w="19050" cap="flat" cmpd="sng" algn="ctr">
-                      <a:solidFill>
-                        <a:schemeClr val="bg1"/>
-                      </a:solidFill>
-                      <a:prstDash val="solid"/>
-                      <a:round/>
-                      <a:headEnd type="none" w="med" len="med"/>
-                      <a:tailEnd type="none" w="med" len="med"/>
-                    </a:lnL>
-                    <a:lnR w="19050" cap="flat" cmpd="sng" algn="ctr">
-                      <a:solidFill>
-                        <a:schemeClr val="bg1"/>
-                      </a:solidFill>
-                      <a:prstDash val="solid"/>
-                      <a:round/>
-                      <a:headEnd type="none" w="med" len="med"/>
-                      <a:tailEnd type="none" w="med" len="med"/>
-                    </a:lnR>
-                    <a:lnT w="19050" cap="flat" cmpd="sng" algn="ctr">
-                      <a:solidFill>
-                        <a:schemeClr val="accent1">
-                          <a:lumMod val="75000"/>
-                        </a:schemeClr>
-                      </a:solidFill>
-                      <a:prstDash val="solid"/>
-                      <a:round/>
-                      <a:headEnd type="none" w="med" len="med"/>
-                      <a:tailEnd type="none" w="med" len="med"/>
-                    </a:lnT>
-                    <a:lnB w="19050" cap="flat" cmpd="sng" algn="ctr">
-                      <a:solidFill>
-                        <a:schemeClr val="accent1">
-                          <a:lumMod val="75000"/>
-                        </a:schemeClr>
-                      </a:solidFill>
-                      <a:prstDash val="solid"/>
-                      <a:round/>
-                      <a:headEnd type="none" w="med" len="med"/>
-                      <a:tailEnd type="none" w="med" len="med"/>
-                    </a:lnB>
-                    <a:lnTlToBr w="12700" cmpd="sng">
-                      <a:noFill/>
-                      <a:prstDash val="solid"/>
-                    </a:lnTlToBr>
-                    <a:lnBlToTr w="12700" cmpd="sng">
-                      <a:noFill/>
-                      <a:prstDash val="solid"/>
-                    </a:lnBlToTr>
-                    <a:solidFill>
-                      <a:schemeClr val="accent1">
-                        <a:lumMod val="40000"/>
-                        <a:lumOff val="60000"/>
-                      </a:schemeClr>
-                    </a:solidFill>
-                  </a:tcPr>
-                </a:tc>
-                <a:tc>
-                  <a:txBody>
-                    <a:bodyPr/>
-                    <a:lstStyle/>
-                    <a:p>
-                      <a:pPr algn="ctr"/>
-                      <a:r>
-                        <a:rPr lang="en-US" altLang="zh-CN" sz="2400" b="1" spc="100" baseline="0" dirty="0">
-                          <a:latin typeface="Courier New" panose="02070309020205020404" pitchFamily="49" charset="0"/>
-                          <a:cs typeface="Courier New" panose="02070309020205020404" pitchFamily="49" charset="0"/>
-                        </a:rPr>
-                        <a:t>TOPICS</a:t>
-                      </a:r>
-                      <a:endParaRPr lang="zh-CN" altLang="en-US" sz="2400" b="1" spc="100" baseline="0" dirty="0">
-                        <a:latin typeface="Courier New" panose="02070309020205020404" pitchFamily="49" charset="0"/>
-                        <a:cs typeface="Courier New" panose="02070309020205020404" pitchFamily="49" charset="0"/>
-                      </a:endParaRPr>
-                    </a:p>
-                  </a:txBody>
-                  <a:tcPr marL="90334" marR="90334" marT="45166" marB="45166" anchor="ctr">
-                    <a:lnL w="19050" cap="flat" cmpd="sng" algn="ctr">
-                      <a:solidFill>
-                        <a:schemeClr val="bg1"/>
-                      </a:solidFill>
-                      <a:prstDash val="solid"/>
-                      <a:round/>
-                      <a:headEnd type="none" w="med" len="med"/>
-                      <a:tailEnd type="none" w="med" len="med"/>
-                    </a:lnL>
-                    <a:lnR w="19050" cap="flat" cmpd="sng" algn="ctr">
-                      <a:solidFill>
-                        <a:schemeClr val="bg1"/>
-                      </a:solidFill>
-                      <a:prstDash val="solid"/>
-                      <a:round/>
-                      <a:headEnd type="none" w="med" len="med"/>
-                      <a:tailEnd type="none" w="med" len="med"/>
-                    </a:lnR>
-                    <a:lnT w="19050" cap="flat" cmpd="sng" algn="ctr">
-                      <a:solidFill>
-                        <a:schemeClr val="accent1">
-                          <a:lumMod val="75000"/>
-                        </a:schemeClr>
-                      </a:solidFill>
-                      <a:prstDash val="solid"/>
-                      <a:round/>
-                      <a:headEnd type="none" w="med" len="med"/>
-                      <a:tailEnd type="none" w="med" len="med"/>
-                    </a:lnT>
-                    <a:lnB w="19050" cap="flat" cmpd="sng" algn="ctr">
-                      <a:solidFill>
-                        <a:schemeClr val="accent1">
-                          <a:lumMod val="75000"/>
-                        </a:schemeClr>
-                      </a:solidFill>
-                      <a:prstDash val="solid"/>
-                      <a:round/>
-                      <a:headEnd type="none" w="med" len="med"/>
-                      <a:tailEnd type="none" w="med" len="med"/>
-                    </a:lnB>
-                    <a:lnTlToBr w="12700" cmpd="sng">
-                      <a:noFill/>
-                      <a:prstDash val="solid"/>
-                    </a:lnTlToBr>
-                    <a:lnBlToTr w="12700" cmpd="sng">
-                      <a:noFill/>
-                      <a:prstDash val="solid"/>
-                    </a:lnBlToTr>
-                    <a:solidFill>
-                      <a:schemeClr val="accent1">
-                        <a:lumMod val="40000"/>
-                        <a:lumOff val="60000"/>
-                      </a:schemeClr>
-                    </a:solidFill>
-                  </a:tcPr>
-                </a:tc>
-                <a:tc>
-                  <a:txBody>
-                    <a:bodyPr/>
-                    <a:lstStyle/>
-                    <a:p>
-                      <a:pPr algn="ctr"/>
-                      <a:r>
-                        <a:rPr lang="en-US" altLang="zh-CN" sz="2400" b="1" spc="100" baseline="0" dirty="0">
-                          <a:latin typeface="Courier New" panose="02070309020205020404" pitchFamily="49" charset="0"/>
-                          <a:cs typeface="Courier New" panose="02070309020205020404" pitchFamily="49" charset="0"/>
-                        </a:rPr>
-                        <a:t>Host</a:t>
-                      </a:r>
-                      <a:endParaRPr lang="zh-CN" altLang="en-US" sz="2400" b="1" spc="100" baseline="0" dirty="0">
-                        <a:latin typeface="Courier New" panose="02070309020205020404" pitchFamily="49" charset="0"/>
-                        <a:cs typeface="Courier New" panose="02070309020205020404" pitchFamily="49" charset="0"/>
-                      </a:endParaRPr>
-                    </a:p>
-                  </a:txBody>
-                  <a:tcPr marL="90334" marR="90334" marT="45166" marB="45166" anchor="ctr">
-                    <a:lnL w="19050" cap="flat" cmpd="sng" algn="ctr">
-                      <a:solidFill>
-                        <a:schemeClr val="bg1"/>
-                      </a:solidFill>
-                      <a:prstDash val="solid"/>
-                      <a:round/>
-                      <a:headEnd type="none" w="med" len="med"/>
-                      <a:tailEnd type="none" w="med" len="med"/>
-                    </a:lnL>
-                    <a:lnR>
-                      <a:noFill/>
-                    </a:lnR>
-                    <a:lnT w="19050" cap="flat" cmpd="sng" algn="ctr">
-                      <a:solidFill>
-                        <a:schemeClr val="accent1">
-                          <a:lumMod val="75000"/>
-                        </a:schemeClr>
-                      </a:solidFill>
-                      <a:prstDash val="solid"/>
-                      <a:round/>
-                      <a:headEnd type="none" w="med" len="med"/>
-                      <a:tailEnd type="none" w="med" len="med"/>
-                    </a:lnT>
-                    <a:lnB w="19050" cap="flat" cmpd="sng" algn="ctr">
-                      <a:solidFill>
-                        <a:schemeClr val="accent1">
-                          <a:lumMod val="75000"/>
-                        </a:schemeClr>
-                      </a:solidFill>
-                      <a:prstDash val="solid"/>
-                      <a:round/>
-                      <a:headEnd type="none" w="med" len="med"/>
-                      <a:tailEnd type="none" w="med" len="med"/>
-                    </a:lnB>
-                    <a:lnTlToBr w="12700" cmpd="sng">
-                      <a:noFill/>
-                      <a:prstDash val="solid"/>
-                    </a:lnTlToBr>
-                    <a:lnBlToTr w="12700" cmpd="sng">
-                      <a:noFill/>
-                      <a:prstDash val="solid"/>
-                    </a:lnBlToTr>
-                    <a:solidFill>
-                      <a:schemeClr val="accent1">
-                        <a:lumMod val="40000"/>
-                        <a:lumOff val="60000"/>
-                      </a:schemeClr>
-                    </a:solidFill>
-                  </a:tcPr>
-                </a:tc>
-                <a:extLst>
-                  <a:ext uri="{0D108BD9-81ED-4DB2-BD59-A6C34878D82A}">
-                    <a16:rowId xmlns:a16="http://schemas.microsoft.com/office/drawing/2014/main" val="1975665016"/>
-                  </a:ext>
-                </a:extLst>
-              </a:tr>
-              <a:tr h="1272548">
-                <a:tc>
-                  <a:txBody>
-                    <a:bodyPr/>
-                    <a:lstStyle/>
-                    <a:p>
-                      <a:pPr algn="ctr"/>
-                      <a:r>
-                        <a:rPr lang="en-US" altLang="zh-CN" sz="2400" b="1" spc="100" baseline="0" dirty="0">
-                          <a:solidFill>
-                            <a:schemeClr val="accent1">
-                              <a:lumMod val="50000"/>
-                            </a:schemeClr>
-                          </a:solidFill>
-                        </a:rPr>
-                        <a:t>14:00-14:30</a:t>
-                      </a:r>
-                      <a:endParaRPr lang="zh-CN" altLang="en-US" sz="2400" b="1" spc="100" baseline="0" dirty="0">
-                        <a:solidFill>
-                          <a:schemeClr val="accent1">
-                            <a:lumMod val="50000"/>
-                          </a:schemeClr>
-                        </a:solidFill>
-                      </a:endParaRPr>
-                    </a:p>
-                  </a:txBody>
-                  <a:tcPr marL="90334" marR="90334" marT="45166" marB="45166" anchor="ctr">
-                    <a:lnL>
-                      <a:noFill/>
-                    </a:lnL>
-                    <a:lnR w="19050" cap="flat" cmpd="sng" algn="ctr">
-                      <a:solidFill>
-                        <a:schemeClr val="accent1">
-                          <a:lumMod val="75000"/>
-                        </a:schemeClr>
-                      </a:solidFill>
-                      <a:prstDash val="solid"/>
-                      <a:round/>
-                      <a:headEnd type="none" w="med" len="med"/>
-                      <a:tailEnd type="none" w="med" len="med"/>
-                    </a:lnR>
-                    <a:lnT w="19050" cap="flat" cmpd="sng" algn="ctr">
-                      <a:solidFill>
-                        <a:schemeClr val="accent1">
-                          <a:lumMod val="75000"/>
-                        </a:schemeClr>
-                      </a:solidFill>
-                      <a:prstDash val="solid"/>
-                      <a:round/>
-                      <a:headEnd type="none" w="med" len="med"/>
-                      <a:tailEnd type="none" w="med" len="med"/>
-                    </a:lnT>
-                    <a:lnB w="19050" cap="flat" cmpd="sng" algn="ctr">
-                      <a:noFill/>
-                      <a:prstDash val="solid"/>
-                      <a:round/>
-                      <a:headEnd type="none" w="med" len="med"/>
-                      <a:tailEnd type="none" w="med" len="med"/>
-                    </a:lnB>
-                    <a:lnTlToBr w="12700" cmpd="sng">
-                      <a:noFill/>
-                      <a:prstDash val="solid"/>
-                    </a:lnTlToBr>
-                    <a:lnBlToTr w="12700" cmpd="sng">
-                      <a:noFill/>
-                      <a:prstDash val="solid"/>
-                    </a:lnBlToTr>
-                    <a:solidFill>
-                      <a:schemeClr val="accent3">
-                        <a:lumMod val="20000"/>
-                        <a:lumOff val="80000"/>
-                      </a:schemeClr>
-                    </a:solidFill>
-                  </a:tcPr>
-                </a:tc>
-                <a:tc>
-                  <a:txBody>
-                    <a:bodyPr/>
-                    <a:lstStyle/>
-                    <a:p>
-                      <a:pPr algn="ctr"/>
-                      <a:r>
-                        <a:rPr lang="en-US" altLang="zh-CN" sz="2400" spc="100" baseline="0" dirty="0">
-                          <a:latin typeface="Century" panose="02040604050505020304" pitchFamily="18" charset="0"/>
-                          <a:cs typeface="Times New Roman" panose="02020603050405020304" pitchFamily="18" charset="0"/>
-                        </a:rPr>
-                        <a:t>Prof. Ahmad Aziz</a:t>
-                      </a:r>
-                    </a:p>
-                    <a:p>
-                      <a:pPr algn="ctr"/>
-                      <a:endParaRPr lang="en-US" altLang="zh-CN" sz="2400" spc="100" baseline="0" dirty="0">
-                        <a:latin typeface="Century" panose="02040604050505020304" pitchFamily="18" charset="0"/>
-                        <a:cs typeface="Times New Roman" panose="02020603050405020304" pitchFamily="18" charset="0"/>
-                      </a:endParaRPr>
                     </a:p>
                     <a:p>
                       <a:pPr marL="0" marR="0" lvl="0" indent="0" algn="ctr" defTabSz="1219170" rtl="0" eaLnBrk="1" fontAlgn="auto" latinLnBrk="0" hangingPunct="1">
@@ -3861,15 +3078,732 @@
                         <a:defRPr/>
                       </a:pPr>
                       <a:r>
-                        <a:rPr lang="en-US" altLang="zh-CN" sz="2400" spc="100" baseline="0" dirty="0">
+                        <a:rPr lang="en-US" altLang="zh-CN" sz="3300" b="1" dirty="0"/>
+                        <a:t>Meeting Agenda</a:t>
+                      </a:r>
+                      <a:endParaRPr lang="zh-CN" altLang="en-US" sz="3300" b="1" dirty="0"/>
+                    </a:p>
+                  </a:txBody>
+                  <a:tcPr marL="85409" marR="85409" marT="42704" marB="42704" anchor="ctr">
+                    <a:lnL w="12700" cap="flat" cmpd="sng" algn="ctr">
+                      <a:noFill/>
+                      <a:prstDash val="solid"/>
+                      <a:round/>
+                      <a:headEnd type="none" w="med" len="med"/>
+                      <a:tailEnd type="none" w="med" len="med"/>
+                    </a:lnL>
+                    <a:lnR w="12700" cap="flat" cmpd="sng" algn="ctr">
+                      <a:noFill/>
+                      <a:prstDash val="solid"/>
+                      <a:round/>
+                      <a:headEnd type="none" w="med" len="med"/>
+                      <a:tailEnd type="none" w="med" len="med"/>
+                    </a:lnR>
+                    <a:lnT w="28575" cap="flat" cmpd="sng" algn="ctr">
+                      <a:solidFill>
+                        <a:schemeClr val="bg2">
+                          <a:lumMod val="25000"/>
+                        </a:schemeClr>
+                      </a:solidFill>
+                      <a:prstDash val="solid"/>
+                      <a:round/>
+                      <a:headEnd type="none" w="med" len="med"/>
+                      <a:tailEnd type="none" w="med" len="med"/>
+                    </a:lnT>
+                    <a:lnB w="28575" cap="flat" cmpd="sng" algn="ctr">
+                      <a:solidFill>
+                        <a:schemeClr val="bg2">
+                          <a:lumMod val="25000"/>
+                        </a:schemeClr>
+                      </a:solidFill>
+                      <a:prstDash val="solid"/>
+                      <a:round/>
+                      <a:headEnd type="none" w="med" len="med"/>
+                      <a:tailEnd type="none" w="med" len="med"/>
+                    </a:lnB>
+                    <a:lnTlToBr w="12700" cmpd="sng">
+                      <a:noFill/>
+                      <a:prstDash val="solid"/>
+                    </a:lnTlToBr>
+                    <a:lnBlToTr w="12700" cmpd="sng">
+                      <a:noFill/>
+                      <a:prstDash val="solid"/>
+                    </a:lnBlToTr>
+                    <a:solidFill>
+                      <a:schemeClr val="accent1">
+                        <a:lumMod val="75000"/>
+                      </a:schemeClr>
+                    </a:solidFill>
+                  </a:tcPr>
+                </a:tc>
+                <a:tc hMerge="1">
+                  <a:txBody>
+                    <a:bodyPr/>
+                    <a:lstStyle/>
+                    <a:p>
+                      <a:endParaRPr lang="zh-CN" altLang="en-US"/>
+                    </a:p>
+                  </a:txBody>
+                  <a:tcPr/>
+                </a:tc>
+                <a:tc hMerge="1">
+                  <a:txBody>
+                    <a:bodyPr/>
+                    <a:lstStyle/>
+                    <a:p>
+                      <a:endParaRPr lang="zh-CN" altLang="en-US"/>
+                    </a:p>
+                  </a:txBody>
+                  <a:tcPr/>
+                </a:tc>
+                <a:tc hMerge="1">
+                  <a:txBody>
+                    <a:bodyPr/>
+                    <a:lstStyle/>
+                    <a:p>
+                      <a:endParaRPr lang="zh-CN" altLang="en-US"/>
+                    </a:p>
+                  </a:txBody>
+                  <a:tcPr/>
+                </a:tc>
+                <a:extLst>
+                  <a:ext uri="{0D108BD9-81ED-4DB2-BD59-A6C34878D82A}">
+                    <a16:rowId xmlns:a16="http://schemas.microsoft.com/office/drawing/2014/main" val="2506963842"/>
+                  </a:ext>
+                </a:extLst>
+              </a:tr>
+              <a:tr h="624281">
+                <a:tc gridSpan="4">
+                  <a:txBody>
+                    <a:bodyPr/>
+                    <a:lstStyle/>
+                    <a:p>
+                      <a:pPr algn="l"/>
+                      <a:r>
+                        <a:rPr lang="en-US" altLang="zh-CN" sz="1600" b="1" kern="1200" dirty="0">
+                          <a:solidFill>
+                            <a:schemeClr val="accent1">
+                              <a:lumMod val="50000"/>
+                            </a:schemeClr>
+                          </a:solidFill>
+                          <a:effectLst/>
+                          <a:latin typeface="Times New Roman" panose="02020603050405020304" pitchFamily="18" charset="0"/>
+                          <a:cs typeface="Times New Roman" panose="02020603050405020304" pitchFamily="18" charset="0"/>
+                        </a:rPr>
+                        <a:t>Time: Beijing Time (CST) : 13</a:t>
+                      </a:r>
+                      <a:r>
+                        <a:rPr lang="zh-CN" altLang="en-US" sz="1600" b="1" kern="1200" dirty="0">
+                          <a:solidFill>
+                            <a:schemeClr val="accent1">
+                              <a:lumMod val="50000"/>
+                            </a:schemeClr>
+                          </a:solidFill>
+                          <a:effectLst/>
+                          <a:latin typeface="Times New Roman" panose="02020603050405020304" pitchFamily="18" charset="0"/>
+                          <a:cs typeface="Times New Roman" panose="02020603050405020304" pitchFamily="18" charset="0"/>
+                        </a:rPr>
+                        <a:t>：</a:t>
+                      </a:r>
+                      <a:r>
+                        <a:rPr lang="en-US" altLang="zh-CN" sz="1600" b="1" kern="1200" dirty="0">
+                          <a:solidFill>
+                            <a:schemeClr val="accent1">
+                              <a:lumMod val="50000"/>
+                            </a:schemeClr>
+                          </a:solidFill>
+                          <a:effectLst/>
+                          <a:latin typeface="Times New Roman" panose="02020603050405020304" pitchFamily="18" charset="0"/>
+                          <a:cs typeface="Times New Roman" panose="02020603050405020304" pitchFamily="18" charset="0"/>
+                        </a:rPr>
+                        <a:t>50,   Berlin Time (CEST) : 8:00           Date: August 1, 2024</a:t>
+                      </a:r>
+                    </a:p>
+                    <a:p>
+                      <a:pPr algn="l"/>
+                      <a:r>
+                        <a:rPr lang="en-US" altLang="zh-CN" sz="1600" b="1" kern="1200" dirty="0" err="1">
+                          <a:solidFill>
+                            <a:schemeClr val="accent1">
+                              <a:lumMod val="50000"/>
+                            </a:schemeClr>
+                          </a:solidFill>
+                          <a:effectLst/>
+                          <a:latin typeface="Times New Roman" panose="02020603050405020304" pitchFamily="18" charset="0"/>
+                          <a:cs typeface="Times New Roman" panose="02020603050405020304" pitchFamily="18" charset="0"/>
+                        </a:rPr>
+                        <a:t>Voov</a:t>
+                      </a:r>
+                      <a:r>
+                        <a:rPr lang="en-US" altLang="zh-CN" sz="1600" b="1" kern="1200" dirty="0">
+                          <a:solidFill>
+                            <a:schemeClr val="accent1">
+                              <a:lumMod val="50000"/>
+                            </a:schemeClr>
+                          </a:solidFill>
+                          <a:effectLst/>
+                          <a:latin typeface="Times New Roman" panose="02020603050405020304" pitchFamily="18" charset="0"/>
+                          <a:cs typeface="Times New Roman" panose="02020603050405020304" pitchFamily="18" charset="0"/>
+                        </a:rPr>
+                        <a:t> meeting link:  </a:t>
+                      </a:r>
+                      <a:r>
+                        <a:rPr lang="en-US" altLang="zh-CN" sz="1600" b="1" kern="1200" dirty="0">
+                          <a:solidFill>
+                            <a:schemeClr val="accent1">
+                              <a:lumMod val="50000"/>
+                            </a:schemeClr>
+                          </a:solidFill>
+                          <a:effectLst/>
+                          <a:latin typeface="Times New Roman" panose="02020603050405020304" pitchFamily="18" charset="0"/>
+                          <a:cs typeface="Times New Roman" panose="02020603050405020304" pitchFamily="18" charset="0"/>
+                          <a:hlinkClick r:id="rId2"/>
+                        </a:rPr>
+                        <a:t>https://meeting.tencent.com/dm/19DIATdE7qrN</a:t>
+                      </a:r>
+                      <a:r>
+                        <a:rPr lang="en-US" altLang="zh-CN" sz="1600" b="1" kern="1200" dirty="0">
+                          <a:solidFill>
+                            <a:schemeClr val="accent1">
+                              <a:lumMod val="50000"/>
+                            </a:schemeClr>
+                          </a:solidFill>
+                          <a:effectLst/>
+                          <a:latin typeface="Times New Roman" panose="02020603050405020304" pitchFamily="18" charset="0"/>
+                          <a:cs typeface="Times New Roman" panose="02020603050405020304" pitchFamily="18" charset="0"/>
+                        </a:rPr>
+                        <a:t>   (meeting ID: 136-954-101)</a:t>
+                      </a:r>
+                    </a:p>
+                  </a:txBody>
+                  <a:tcPr marL="85409" marR="85409" marT="42704" marB="42704" anchor="ctr">
+                    <a:lnT w="28575" cap="flat" cmpd="sng" algn="ctr">
+                      <a:solidFill>
+                        <a:schemeClr val="bg2">
+                          <a:lumMod val="25000"/>
+                        </a:schemeClr>
+                      </a:solidFill>
+                      <a:prstDash val="solid"/>
+                      <a:round/>
+                      <a:headEnd type="none" w="med" len="med"/>
+                      <a:tailEnd type="none" w="med" len="med"/>
+                    </a:lnT>
+                    <a:lnB w="19050" cap="flat" cmpd="sng" algn="ctr">
+                      <a:solidFill>
+                        <a:schemeClr val="accent1">
+                          <a:lumMod val="75000"/>
+                        </a:schemeClr>
+                      </a:solidFill>
+                      <a:prstDash val="solid"/>
+                      <a:round/>
+                      <a:headEnd type="none" w="med" len="med"/>
+                      <a:tailEnd type="none" w="med" len="med"/>
+                    </a:lnB>
+                  </a:tcPr>
+                </a:tc>
+                <a:tc hMerge="1">
+                  <a:txBody>
+                    <a:bodyPr/>
+                    <a:lstStyle/>
+                    <a:p>
+                      <a:endParaRPr lang="zh-CN" altLang="en-US"/>
+                    </a:p>
+                  </a:txBody>
+                  <a:tcPr/>
+                </a:tc>
+                <a:tc hMerge="1">
+                  <a:txBody>
+                    <a:bodyPr/>
+                    <a:lstStyle/>
+                    <a:p>
+                      <a:endParaRPr lang="zh-CN" altLang="en-US" dirty="0"/>
+                    </a:p>
+                  </a:txBody>
+                  <a:tcPr/>
+                </a:tc>
+                <a:tc hMerge="1">
+                  <a:txBody>
+                    <a:bodyPr/>
+                    <a:lstStyle/>
+                    <a:p>
+                      <a:endParaRPr lang="zh-CN" altLang="en-US"/>
+                    </a:p>
+                  </a:txBody>
+                  <a:tcPr/>
+                </a:tc>
+                <a:extLst>
+                  <a:ext uri="{0D108BD9-81ED-4DB2-BD59-A6C34878D82A}">
+                    <a16:rowId xmlns:a16="http://schemas.microsoft.com/office/drawing/2014/main" val="4171041695"/>
+                  </a:ext>
+                </a:extLst>
+              </a:tr>
+              <a:tr h="473027">
+                <a:tc>
+                  <a:txBody>
+                    <a:bodyPr/>
+                    <a:lstStyle/>
+                    <a:p>
+                      <a:pPr algn="ctr"/>
+                      <a:r>
+                        <a:rPr lang="en-US" altLang="zh-CN" sz="2300" b="1" spc="100" baseline="0" dirty="0">
+                          <a:latin typeface="Courier New" panose="02070309020205020404" pitchFamily="49" charset="0"/>
+                          <a:cs typeface="Courier New" panose="02070309020205020404" pitchFamily="49" charset="0"/>
+                        </a:rPr>
+                        <a:t>Time</a:t>
+                      </a:r>
+                      <a:endParaRPr lang="zh-CN" altLang="en-US" sz="2300" b="1" spc="100" baseline="0" dirty="0">
+                        <a:latin typeface="Courier New" panose="02070309020205020404" pitchFamily="49" charset="0"/>
+                        <a:cs typeface="Courier New" panose="02070309020205020404" pitchFamily="49" charset="0"/>
+                      </a:endParaRPr>
+                    </a:p>
+                  </a:txBody>
+                  <a:tcPr marL="85409" marR="85409" marT="42704" marB="42704" anchor="ctr">
+                    <a:lnL>
+                      <a:noFill/>
+                    </a:lnL>
+                    <a:lnR w="19050" cap="flat" cmpd="sng" algn="ctr">
+                      <a:solidFill>
+                        <a:schemeClr val="bg1"/>
+                      </a:solidFill>
+                      <a:prstDash val="solid"/>
+                      <a:round/>
+                      <a:headEnd type="none" w="med" len="med"/>
+                      <a:tailEnd type="none" w="med" len="med"/>
+                    </a:lnR>
+                    <a:lnT w="19050" cap="flat" cmpd="sng" algn="ctr">
+                      <a:solidFill>
+                        <a:schemeClr val="accent1">
+                          <a:lumMod val="75000"/>
+                        </a:schemeClr>
+                      </a:solidFill>
+                      <a:prstDash val="solid"/>
+                      <a:round/>
+                      <a:headEnd type="none" w="med" len="med"/>
+                      <a:tailEnd type="none" w="med" len="med"/>
+                    </a:lnT>
+                    <a:lnB w="19050" cap="flat" cmpd="sng" algn="ctr">
+                      <a:solidFill>
+                        <a:schemeClr val="accent1">
+                          <a:lumMod val="75000"/>
+                        </a:schemeClr>
+                      </a:solidFill>
+                      <a:prstDash val="solid"/>
+                      <a:round/>
+                      <a:headEnd type="none" w="med" len="med"/>
+                      <a:tailEnd type="none" w="med" len="med"/>
+                    </a:lnB>
+                    <a:lnTlToBr w="12700" cmpd="sng">
+                      <a:noFill/>
+                      <a:prstDash val="solid"/>
+                    </a:lnTlToBr>
+                    <a:lnBlToTr w="12700" cmpd="sng">
+                      <a:noFill/>
+                      <a:prstDash val="solid"/>
+                    </a:lnBlToTr>
+                    <a:solidFill>
+                      <a:schemeClr val="accent1">
+                        <a:lumMod val="40000"/>
+                        <a:lumOff val="60000"/>
+                      </a:schemeClr>
+                    </a:solidFill>
+                  </a:tcPr>
+                </a:tc>
+                <a:tc>
+                  <a:txBody>
+                    <a:bodyPr/>
+                    <a:lstStyle/>
+                    <a:p>
+                      <a:pPr algn="ctr"/>
+                      <a:r>
+                        <a:rPr lang="en-US" altLang="zh-CN" sz="2300" b="1" spc="100" baseline="0" dirty="0">
+                          <a:effectLst/>
+                          <a:latin typeface="Courier New" panose="02070309020205020404" pitchFamily="49" charset="0"/>
+                          <a:cs typeface="Courier New" panose="02070309020205020404" pitchFamily="49" charset="0"/>
+                        </a:rPr>
+                        <a:t>Presenter</a:t>
+                      </a:r>
+                      <a:endParaRPr lang="zh-CN" altLang="en-US" sz="2300" b="1" spc="100" baseline="0" dirty="0">
+                        <a:latin typeface="Courier New" panose="02070309020205020404" pitchFamily="49" charset="0"/>
+                        <a:cs typeface="Courier New" panose="02070309020205020404" pitchFamily="49" charset="0"/>
+                      </a:endParaRPr>
+                    </a:p>
+                  </a:txBody>
+                  <a:tcPr marL="85409" marR="85409" marT="42704" marB="42704" anchor="ctr">
+                    <a:lnL w="19050" cap="flat" cmpd="sng" algn="ctr">
+                      <a:solidFill>
+                        <a:schemeClr val="bg1"/>
+                      </a:solidFill>
+                      <a:prstDash val="solid"/>
+                      <a:round/>
+                      <a:headEnd type="none" w="med" len="med"/>
+                      <a:tailEnd type="none" w="med" len="med"/>
+                    </a:lnL>
+                    <a:lnR w="19050" cap="flat" cmpd="sng" algn="ctr">
+                      <a:solidFill>
+                        <a:schemeClr val="bg1"/>
+                      </a:solidFill>
+                      <a:prstDash val="solid"/>
+                      <a:round/>
+                      <a:headEnd type="none" w="med" len="med"/>
+                      <a:tailEnd type="none" w="med" len="med"/>
+                    </a:lnR>
+                    <a:lnT w="19050" cap="flat" cmpd="sng" algn="ctr">
+                      <a:solidFill>
+                        <a:schemeClr val="accent1">
+                          <a:lumMod val="75000"/>
+                        </a:schemeClr>
+                      </a:solidFill>
+                      <a:prstDash val="solid"/>
+                      <a:round/>
+                      <a:headEnd type="none" w="med" len="med"/>
+                      <a:tailEnd type="none" w="med" len="med"/>
+                    </a:lnT>
+                    <a:lnB w="19050" cap="flat" cmpd="sng" algn="ctr">
+                      <a:solidFill>
+                        <a:schemeClr val="accent1">
+                          <a:lumMod val="75000"/>
+                        </a:schemeClr>
+                      </a:solidFill>
+                      <a:prstDash val="solid"/>
+                      <a:round/>
+                      <a:headEnd type="none" w="med" len="med"/>
+                      <a:tailEnd type="none" w="med" len="med"/>
+                    </a:lnB>
+                    <a:lnTlToBr w="12700" cmpd="sng">
+                      <a:noFill/>
+                      <a:prstDash val="solid"/>
+                    </a:lnTlToBr>
+                    <a:lnBlToTr w="12700" cmpd="sng">
+                      <a:noFill/>
+                      <a:prstDash val="solid"/>
+                    </a:lnBlToTr>
+                    <a:solidFill>
+                      <a:schemeClr val="accent1">
+                        <a:lumMod val="40000"/>
+                        <a:lumOff val="60000"/>
+                      </a:schemeClr>
+                    </a:solidFill>
+                  </a:tcPr>
+                </a:tc>
+                <a:tc>
+                  <a:txBody>
+                    <a:bodyPr/>
+                    <a:lstStyle/>
+                    <a:p>
+                      <a:pPr algn="ctr"/>
+                      <a:r>
+                        <a:rPr lang="en-US" altLang="zh-CN" sz="2300" b="1" spc="100" baseline="0" dirty="0">
+                          <a:latin typeface="Courier New" panose="02070309020205020404" pitchFamily="49" charset="0"/>
+                          <a:cs typeface="Courier New" panose="02070309020205020404" pitchFamily="49" charset="0"/>
+                        </a:rPr>
+                        <a:t>TOPICS</a:t>
+                      </a:r>
+                      <a:endParaRPr lang="zh-CN" altLang="en-US" sz="2300" b="1" spc="100" baseline="0" dirty="0">
+                        <a:latin typeface="Courier New" panose="02070309020205020404" pitchFamily="49" charset="0"/>
+                        <a:cs typeface="Courier New" panose="02070309020205020404" pitchFamily="49" charset="0"/>
+                      </a:endParaRPr>
+                    </a:p>
+                  </a:txBody>
+                  <a:tcPr marL="85409" marR="85409" marT="42704" marB="42704" anchor="ctr">
+                    <a:lnL w="19050" cap="flat" cmpd="sng" algn="ctr">
+                      <a:solidFill>
+                        <a:schemeClr val="bg1"/>
+                      </a:solidFill>
+                      <a:prstDash val="solid"/>
+                      <a:round/>
+                      <a:headEnd type="none" w="med" len="med"/>
+                      <a:tailEnd type="none" w="med" len="med"/>
+                    </a:lnL>
+                    <a:lnR w="19050" cap="flat" cmpd="sng" algn="ctr">
+                      <a:solidFill>
+                        <a:schemeClr val="bg1"/>
+                      </a:solidFill>
+                      <a:prstDash val="solid"/>
+                      <a:round/>
+                      <a:headEnd type="none" w="med" len="med"/>
+                      <a:tailEnd type="none" w="med" len="med"/>
+                    </a:lnR>
+                    <a:lnT w="19050" cap="flat" cmpd="sng" algn="ctr">
+                      <a:solidFill>
+                        <a:schemeClr val="accent1">
+                          <a:lumMod val="75000"/>
+                        </a:schemeClr>
+                      </a:solidFill>
+                      <a:prstDash val="solid"/>
+                      <a:round/>
+                      <a:headEnd type="none" w="med" len="med"/>
+                      <a:tailEnd type="none" w="med" len="med"/>
+                    </a:lnT>
+                    <a:lnB w="19050" cap="flat" cmpd="sng" algn="ctr">
+                      <a:solidFill>
+                        <a:schemeClr val="accent1">
+                          <a:lumMod val="75000"/>
+                        </a:schemeClr>
+                      </a:solidFill>
+                      <a:prstDash val="solid"/>
+                      <a:round/>
+                      <a:headEnd type="none" w="med" len="med"/>
+                      <a:tailEnd type="none" w="med" len="med"/>
+                    </a:lnB>
+                    <a:lnTlToBr w="12700" cmpd="sng">
+                      <a:noFill/>
+                      <a:prstDash val="solid"/>
+                    </a:lnTlToBr>
+                    <a:lnBlToTr w="12700" cmpd="sng">
+                      <a:noFill/>
+                      <a:prstDash val="solid"/>
+                    </a:lnBlToTr>
+                    <a:solidFill>
+                      <a:schemeClr val="accent1">
+                        <a:lumMod val="40000"/>
+                        <a:lumOff val="60000"/>
+                      </a:schemeClr>
+                    </a:solidFill>
+                  </a:tcPr>
+                </a:tc>
+                <a:tc>
+                  <a:txBody>
+                    <a:bodyPr/>
+                    <a:lstStyle/>
+                    <a:p>
+                      <a:pPr algn="ctr"/>
+                      <a:r>
+                        <a:rPr lang="en-US" altLang="zh-CN" sz="2300" b="1" spc="100" baseline="0" dirty="0">
+                          <a:latin typeface="Courier New" panose="02070309020205020404" pitchFamily="49" charset="0"/>
+                          <a:cs typeface="Courier New" panose="02070309020205020404" pitchFamily="49" charset="0"/>
+                        </a:rPr>
+                        <a:t>Host</a:t>
+                      </a:r>
+                      <a:endParaRPr lang="zh-CN" altLang="en-US" sz="2300" b="1" spc="100" baseline="0" dirty="0">
+                        <a:latin typeface="Courier New" panose="02070309020205020404" pitchFamily="49" charset="0"/>
+                        <a:cs typeface="Courier New" panose="02070309020205020404" pitchFamily="49" charset="0"/>
+                      </a:endParaRPr>
+                    </a:p>
+                  </a:txBody>
+                  <a:tcPr marL="85409" marR="85409" marT="42704" marB="42704" anchor="ctr">
+                    <a:lnL w="19050" cap="flat" cmpd="sng" algn="ctr">
+                      <a:solidFill>
+                        <a:schemeClr val="bg1"/>
+                      </a:solidFill>
+                      <a:prstDash val="solid"/>
+                      <a:round/>
+                      <a:headEnd type="none" w="med" len="med"/>
+                      <a:tailEnd type="none" w="med" len="med"/>
+                    </a:lnL>
+                    <a:lnR>
+                      <a:noFill/>
+                    </a:lnR>
+                    <a:lnT w="19050" cap="flat" cmpd="sng" algn="ctr">
+                      <a:solidFill>
+                        <a:schemeClr val="accent1">
+                          <a:lumMod val="75000"/>
+                        </a:schemeClr>
+                      </a:solidFill>
+                      <a:prstDash val="solid"/>
+                      <a:round/>
+                      <a:headEnd type="none" w="med" len="med"/>
+                      <a:tailEnd type="none" w="med" len="med"/>
+                    </a:lnT>
+                    <a:lnB w="19050" cap="flat" cmpd="sng" algn="ctr">
+                      <a:solidFill>
+                        <a:schemeClr val="accent1">
+                          <a:lumMod val="75000"/>
+                        </a:schemeClr>
+                      </a:solidFill>
+                      <a:prstDash val="solid"/>
+                      <a:round/>
+                      <a:headEnd type="none" w="med" len="med"/>
+                      <a:tailEnd type="none" w="med" len="med"/>
+                    </a:lnB>
+                    <a:lnTlToBr w="12700" cmpd="sng">
+                      <a:noFill/>
+                      <a:prstDash val="solid"/>
+                    </a:lnTlToBr>
+                    <a:lnBlToTr w="12700" cmpd="sng">
+                      <a:noFill/>
+                      <a:prstDash val="solid"/>
+                    </a:lnBlToTr>
+                    <a:solidFill>
+                      <a:schemeClr val="accent1">
+                        <a:lumMod val="40000"/>
+                        <a:lumOff val="60000"/>
+                      </a:schemeClr>
+                    </a:solidFill>
+                  </a:tcPr>
+                </a:tc>
+                <a:extLst>
+                  <a:ext uri="{0D108BD9-81ED-4DB2-BD59-A6C34878D82A}">
+                    <a16:rowId xmlns:a16="http://schemas.microsoft.com/office/drawing/2014/main" val="1975665016"/>
+                  </a:ext>
+                </a:extLst>
+              </a:tr>
+              <a:tr h="1926194">
+                <a:tc>
+                  <a:txBody>
+                    <a:bodyPr/>
+                    <a:lstStyle/>
+                    <a:p>
+                      <a:pPr algn="ctr"/>
+                      <a:r>
+                        <a:rPr lang="en-US" altLang="zh-CN" sz="2300" b="1" spc="100" baseline="0" dirty="0">
+                          <a:solidFill>
+                            <a:schemeClr val="accent1">
+                              <a:lumMod val="50000"/>
+                            </a:schemeClr>
+                          </a:solidFill>
+                        </a:rPr>
+                        <a:t>13:50-14:00</a:t>
+                      </a:r>
+                      <a:endParaRPr lang="zh-CN" altLang="en-US" sz="2300" b="1" spc="100" baseline="0" dirty="0">
+                        <a:solidFill>
+                          <a:schemeClr val="accent1">
+                            <a:lumMod val="50000"/>
+                          </a:schemeClr>
+                        </a:solidFill>
+                      </a:endParaRPr>
+                    </a:p>
+                  </a:txBody>
+                  <a:tcPr marL="85409" marR="85409" marT="42704" marB="42704" anchor="ctr">
+                    <a:lnL>
+                      <a:noFill/>
+                    </a:lnL>
+                    <a:lnR w="19050" cap="flat" cmpd="sng" algn="ctr">
+                      <a:solidFill>
+                        <a:schemeClr val="accent1">
+                          <a:lumMod val="75000"/>
+                        </a:schemeClr>
+                      </a:solidFill>
+                      <a:prstDash val="solid"/>
+                      <a:round/>
+                      <a:headEnd type="none" w="med" len="med"/>
+                      <a:tailEnd type="none" w="med" len="med"/>
+                    </a:lnR>
+                    <a:lnT w="19050" cap="flat" cmpd="sng" algn="ctr">
+                      <a:solidFill>
+                        <a:schemeClr val="accent1">
+                          <a:lumMod val="75000"/>
+                        </a:schemeClr>
+                      </a:solidFill>
+                      <a:prstDash val="solid"/>
+                      <a:round/>
+                      <a:headEnd type="none" w="med" len="med"/>
+                      <a:tailEnd type="none" w="med" len="med"/>
+                    </a:lnT>
+                    <a:lnB w="12700" cap="flat" cmpd="sng" algn="ctr">
+                      <a:noFill/>
+                      <a:prstDash val="solid"/>
+                      <a:round/>
+                      <a:headEnd type="none" w="med" len="med"/>
+                      <a:tailEnd type="none" w="med" len="med"/>
+                    </a:lnB>
+                    <a:lnTlToBr w="12700" cmpd="sng">
+                      <a:noFill/>
+                      <a:prstDash val="solid"/>
+                    </a:lnTlToBr>
+                    <a:lnBlToTr w="12700" cmpd="sng">
+                      <a:noFill/>
+                      <a:prstDash val="solid"/>
+                    </a:lnBlToTr>
+                    <a:solidFill>
+                      <a:schemeClr val="accent3">
+                        <a:lumMod val="60000"/>
+                        <a:lumOff val="40000"/>
+                      </a:schemeClr>
+                    </a:solidFill>
+                  </a:tcPr>
+                </a:tc>
+                <a:tc>
+                  <a:txBody>
+                    <a:bodyPr/>
+                    <a:lstStyle/>
+                    <a:p>
+                      <a:pPr marL="0" marR="0" lvl="0" indent="0" algn="ctr" defTabSz="1219170" rtl="0" eaLnBrk="1" fontAlgn="auto" latinLnBrk="0" hangingPunct="1">
+                        <a:lnSpc>
+                          <a:spcPct val="100000"/>
+                        </a:lnSpc>
+                        <a:spcBef>
+                          <a:spcPts val="0"/>
+                        </a:spcBef>
+                        <a:spcAft>
+                          <a:spcPts val="0"/>
+                        </a:spcAft>
+                        <a:buClrTx/>
+                        <a:buSzTx/>
+                        <a:buFontTx/>
+                        <a:buNone/>
+                        <a:tabLst/>
+                        <a:defRPr/>
+                      </a:pPr>
+                      <a:r>
+                        <a:rPr lang="en-US" altLang="zh-CN" sz="2300" spc="100" baseline="0" dirty="0" err="1">
                           <a:latin typeface="Century" panose="02040604050505020304" pitchFamily="18" charset="0"/>
                           <a:cs typeface="Times New Roman" panose="02020603050405020304" pitchFamily="18" charset="0"/>
                         </a:rPr>
-                        <a:t>UB &amp; DZNE</a:t>
+                        <a:t>Xuequn</a:t>
                       </a:r>
+                      <a:r>
+                        <a:rPr lang="en-US" altLang="zh-CN" sz="2300" spc="100" baseline="0" dirty="0">
+                          <a:latin typeface="Century" panose="02040604050505020304" pitchFamily="18" charset="0"/>
+                          <a:cs typeface="Times New Roman" panose="02020603050405020304" pitchFamily="18" charset="0"/>
+                        </a:rPr>
+                        <a:t> Shang</a:t>
+                      </a:r>
+                    </a:p>
+                    <a:p>
+                      <a:pPr marL="0" marR="0" lvl="0" indent="0" algn="ctr" defTabSz="1219170" rtl="0" eaLnBrk="1" fontAlgn="auto" latinLnBrk="0" hangingPunct="1">
+                        <a:lnSpc>
+                          <a:spcPct val="100000"/>
+                        </a:lnSpc>
+                        <a:spcBef>
+                          <a:spcPts val="0"/>
+                        </a:spcBef>
+                        <a:spcAft>
+                          <a:spcPts val="0"/>
+                        </a:spcAft>
+                        <a:buClrTx/>
+                        <a:buSzTx/>
+                        <a:buFontTx/>
+                        <a:buNone/>
+                        <a:tabLst/>
+                        <a:defRPr/>
+                      </a:pPr>
+                      <a:endParaRPr lang="en-US" altLang="zh-CN" sz="2300" spc="100" baseline="0" dirty="0">
+                        <a:latin typeface="Century" panose="02040604050505020304" pitchFamily="18" charset="0"/>
+                        <a:cs typeface="Times New Roman" panose="02020603050405020304" pitchFamily="18" charset="0"/>
+                      </a:endParaRPr>
+                    </a:p>
+                    <a:p>
+                      <a:pPr marL="0" marR="0" lvl="0" indent="0" algn="ctr" defTabSz="1219170" rtl="0" eaLnBrk="1" fontAlgn="auto" latinLnBrk="0" hangingPunct="1">
+                        <a:lnSpc>
+                          <a:spcPct val="100000"/>
+                        </a:lnSpc>
+                        <a:spcBef>
+                          <a:spcPts val="0"/>
+                        </a:spcBef>
+                        <a:spcAft>
+                          <a:spcPts val="0"/>
+                        </a:spcAft>
+                        <a:buClrTx/>
+                        <a:buSzTx/>
+                        <a:buFontTx/>
+                        <a:buNone/>
+                        <a:tabLst/>
+                        <a:defRPr/>
+                      </a:pPr>
+                      <a:r>
+                        <a:rPr lang="en-US" altLang="zh-CN" sz="2300" spc="100" baseline="0" dirty="0">
+                          <a:latin typeface="Century" panose="02040604050505020304" pitchFamily="18" charset="0"/>
+                          <a:cs typeface="Times New Roman" panose="02020603050405020304" pitchFamily="18" charset="0"/>
+                        </a:rPr>
+                        <a:t>Northwestern Polytechnical University</a:t>
+                      </a:r>
+                      <a:endParaRPr lang="zh-CN" altLang="en-US" sz="2300" spc="100" baseline="0" dirty="0">
+                        <a:latin typeface="Century" panose="02040604050505020304" pitchFamily="18" charset="0"/>
+                        <a:cs typeface="Times New Roman" panose="02020603050405020304" pitchFamily="18" charset="0"/>
+                      </a:endParaRPr>
                     </a:p>
                   </a:txBody>
-                  <a:tcPr marL="90334" marR="90334" marT="45166" marB="45166" anchor="ctr">
+                  <a:tcPr marL="85409" marR="85409" marT="42704" marB="42704" anchor="ctr">
                     <a:lnL w="19050" cap="flat" cmpd="sng" algn="ctr">
                       <a:solidFill>
                         <a:schemeClr val="accent1">
@@ -3901,10 +3835,240 @@
                       <a:headEnd type="none" w="med" len="med"/>
                       <a:tailEnd type="none" w="med" len="med"/>
                     </a:lnT>
+                    <a:lnB w="12700" cap="flat" cmpd="sng" algn="ctr">
+                      <a:solidFill>
+                        <a:schemeClr val="bg1"/>
+                      </a:solidFill>
+                      <a:prstDash val="solid"/>
+                      <a:round/>
+                      <a:headEnd type="none" w="med" len="med"/>
+                      <a:tailEnd type="none" w="med" len="med"/>
+                    </a:lnB>
+                    <a:lnTlToBr w="12700" cmpd="sng">
+                      <a:noFill/>
+                      <a:prstDash val="solid"/>
+                    </a:lnTlToBr>
+                    <a:lnBlToTr w="12700" cmpd="sng">
+                      <a:noFill/>
+                      <a:prstDash val="solid"/>
+                    </a:lnBlToTr>
+                    <a:solidFill>
+                      <a:schemeClr val="accent3">
+                        <a:lumMod val="60000"/>
+                        <a:lumOff val="40000"/>
+                      </a:schemeClr>
+                    </a:solidFill>
+                  </a:tcPr>
+                </a:tc>
+                <a:tc>
+                  <a:txBody>
+                    <a:bodyPr/>
+                    <a:lstStyle/>
+                    <a:p>
+                      <a:pPr algn="ctr">
+                        <a:lnSpc>
+                          <a:spcPts val="3000"/>
+                        </a:lnSpc>
+                      </a:pPr>
+                      <a:r>
+                        <a:rPr lang="en-US" altLang="zh-CN" sz="2300" spc="100" baseline="0" dirty="0">
+                          <a:latin typeface="Times New Roman" panose="02020603050405020304" pitchFamily="18" charset="0"/>
+                          <a:cs typeface="Times New Roman" panose="02020603050405020304" pitchFamily="18" charset="0"/>
+                        </a:rPr>
+                        <a:t>Opening welcome</a:t>
+                      </a:r>
+                      <a:endParaRPr lang="zh-CN" altLang="en-US" sz="2300" spc="100" baseline="0" dirty="0">
+                        <a:latin typeface="Times New Roman" panose="02020603050405020304" pitchFamily="18" charset="0"/>
+                        <a:cs typeface="Times New Roman" panose="02020603050405020304" pitchFamily="18" charset="0"/>
+                      </a:endParaRPr>
+                    </a:p>
+                  </a:txBody>
+                  <a:tcPr marL="85409" marR="85409" marT="42704" marB="42704" anchor="ctr">
+                    <a:lnL w="19050" cap="flat" cmpd="sng" algn="ctr">
+                      <a:solidFill>
+                        <a:schemeClr val="bg1"/>
+                      </a:solidFill>
+                      <a:prstDash val="solid"/>
+                      <a:round/>
+                      <a:headEnd type="none" w="med" len="med"/>
+                      <a:tailEnd type="none" w="med" len="med"/>
+                    </a:lnL>
+                    <a:lnR w="12700" cap="flat" cmpd="sng" algn="ctr">
+                      <a:noFill/>
+                      <a:prstDash val="solid"/>
+                      <a:round/>
+                      <a:headEnd type="none" w="med" len="med"/>
+                      <a:tailEnd type="none" w="med" len="med"/>
+                    </a:lnR>
+                    <a:lnT w="19050" cap="flat" cmpd="sng" algn="ctr">
+                      <a:solidFill>
+                        <a:schemeClr val="accent1">
+                          <a:lumMod val="75000"/>
+                        </a:schemeClr>
+                      </a:solidFill>
+                      <a:prstDash val="solid"/>
+                      <a:round/>
+                      <a:headEnd type="none" w="med" len="med"/>
+                      <a:tailEnd type="none" w="med" len="med"/>
+                    </a:lnT>
+                    <a:lnB w="12700" cap="flat" cmpd="sng" algn="ctr">
+                      <a:solidFill>
+                        <a:schemeClr val="bg1"/>
+                      </a:solidFill>
+                      <a:prstDash val="solid"/>
+                      <a:round/>
+                      <a:headEnd type="none" w="med" len="med"/>
+                      <a:tailEnd type="none" w="med" len="med"/>
+                    </a:lnB>
+                    <a:lnTlToBr w="12700" cmpd="sng">
+                      <a:noFill/>
+                      <a:prstDash val="solid"/>
+                    </a:lnTlToBr>
+                    <a:lnBlToTr w="12700" cmpd="sng">
+                      <a:noFill/>
+                      <a:prstDash val="solid"/>
+                    </a:lnBlToTr>
+                    <a:solidFill>
+                      <a:schemeClr val="accent3">
+                        <a:lumMod val="60000"/>
+                        <a:lumOff val="40000"/>
+                      </a:schemeClr>
+                    </a:solidFill>
+                  </a:tcPr>
+                </a:tc>
+                <a:tc rowSpan="8">
+                  <a:txBody>
+                    <a:bodyPr/>
+                    <a:lstStyle/>
+                    <a:p>
+                      <a:pPr marL="0" algn="ctr" defTabSz="1219170" rtl="0" eaLnBrk="1" latinLnBrk="0" hangingPunct="1"/>
+                      <a:r>
+                        <a:rPr lang="en-US" altLang="zh-CN" sz="2300" kern="1200" spc="100" baseline="0" dirty="0" err="1">
+                          <a:solidFill>
+                            <a:schemeClr val="dk1"/>
+                          </a:solidFill>
+                          <a:latin typeface="Century" panose="02040604050505020304" pitchFamily="18" charset="0"/>
+                          <a:ea typeface="+mn-ea"/>
+                          <a:cs typeface="Times New Roman" panose="02020603050405020304" pitchFamily="18" charset="0"/>
+                        </a:rPr>
+                        <a:t>Jialu</a:t>
+                      </a:r>
+                      <a:r>
+                        <a:rPr lang="en-US" altLang="zh-CN" sz="2300" kern="1200" spc="100" baseline="0" dirty="0">
+                          <a:solidFill>
+                            <a:schemeClr val="dk1"/>
+                          </a:solidFill>
+                          <a:latin typeface="Century" panose="02040604050505020304" pitchFamily="18" charset="0"/>
+                          <a:ea typeface="+mn-ea"/>
+                          <a:cs typeface="Times New Roman" panose="02020603050405020304" pitchFamily="18" charset="0"/>
+                        </a:rPr>
+                        <a:t> Hu</a:t>
+                      </a:r>
+                      <a:endParaRPr lang="zh-CN" altLang="en-US" sz="2300" kern="1200" spc="100" baseline="0" dirty="0">
+                        <a:solidFill>
+                          <a:schemeClr val="dk1"/>
+                        </a:solidFill>
+                        <a:latin typeface="Century" panose="02040604050505020304" pitchFamily="18" charset="0"/>
+                        <a:ea typeface="+mn-ea"/>
+                        <a:cs typeface="Times New Roman" panose="02020603050405020304" pitchFamily="18" charset="0"/>
+                      </a:endParaRPr>
+                    </a:p>
+                  </a:txBody>
+                  <a:tcPr marL="85409" marR="85409" marT="42704" marB="42704" anchor="ctr">
+                    <a:lnL w="12700" cap="flat" cmpd="sng" algn="ctr">
+                      <a:noFill/>
+                      <a:prstDash val="solid"/>
+                      <a:round/>
+                      <a:headEnd type="none" w="med" len="med"/>
+                      <a:tailEnd type="none" w="med" len="med"/>
+                    </a:lnL>
+                    <a:lnR>
+                      <a:noFill/>
+                    </a:lnR>
+                    <a:lnT w="19050" cap="flat" cmpd="sng" algn="ctr">
+                      <a:solidFill>
+                        <a:schemeClr val="accent1">
+                          <a:lumMod val="75000"/>
+                        </a:schemeClr>
+                      </a:solidFill>
+                      <a:prstDash val="solid"/>
+                      <a:round/>
+                      <a:headEnd type="none" w="med" len="med"/>
+                      <a:tailEnd type="none" w="med" len="med"/>
+                    </a:lnT>
+                    <a:lnB w="12700" cap="flat" cmpd="sng" algn="ctr">
+                      <a:noFill/>
+                      <a:prstDash val="solid"/>
+                      <a:round/>
+                      <a:headEnd type="none" w="med" len="med"/>
+                      <a:tailEnd type="none" w="med" len="med"/>
+                    </a:lnB>
+                    <a:lnTlToBr w="12700" cmpd="sng">
+                      <a:noFill/>
+                      <a:prstDash val="solid"/>
+                    </a:lnTlToBr>
+                    <a:lnBlToTr w="12700" cmpd="sng">
+                      <a:noFill/>
+                      <a:prstDash val="solid"/>
+                    </a:lnBlToTr>
+                  </a:tcPr>
+                </a:tc>
+                <a:extLst>
+                  <a:ext uri="{0D108BD9-81ED-4DB2-BD59-A6C34878D82A}">
+                    <a16:rowId xmlns:a16="http://schemas.microsoft.com/office/drawing/2014/main" val="300285208"/>
+                  </a:ext>
+                </a:extLst>
+              </a:tr>
+              <a:tr h="2374782">
+                <a:tc>
+                  <a:txBody>
+                    <a:bodyPr/>
+                    <a:lstStyle/>
+                    <a:p>
+                      <a:pPr algn="ctr"/>
+                      <a:r>
+                        <a:rPr lang="en-US" altLang="zh-CN" sz="2300" b="1" spc="100" baseline="0" dirty="0">
+                          <a:solidFill>
+                            <a:schemeClr val="accent1">
+                              <a:lumMod val="50000"/>
+                            </a:schemeClr>
+                          </a:solidFill>
+                        </a:rPr>
+                        <a:t>14:00-14:30</a:t>
+                      </a:r>
+                      <a:endParaRPr lang="zh-CN" altLang="en-US" sz="2300" b="1" spc="100" baseline="0" dirty="0">
+                        <a:solidFill>
+                          <a:schemeClr val="accent1">
+                            <a:lumMod val="50000"/>
+                          </a:schemeClr>
+                        </a:solidFill>
+                      </a:endParaRPr>
+                    </a:p>
+                  </a:txBody>
+                  <a:tcPr marL="85409" marR="85409" marT="42704" marB="42704" anchor="ctr">
+                    <a:lnL>
+                      <a:noFill/>
+                    </a:lnL>
+                    <a:lnR w="19050" cap="flat" cmpd="sng" algn="ctr">
+                      <a:solidFill>
+                        <a:schemeClr val="accent1">
+                          <a:lumMod val="75000"/>
+                        </a:schemeClr>
+                      </a:solidFill>
+                      <a:prstDash val="solid"/>
+                      <a:round/>
+                      <a:headEnd type="none" w="med" len="med"/>
+                      <a:tailEnd type="none" w="med" len="med"/>
+                    </a:lnR>
+                    <a:lnT w="12700" cap="flat" cmpd="sng" algn="ctr">
+                      <a:noFill/>
+                      <a:prstDash val="solid"/>
+                      <a:round/>
+                      <a:headEnd type="none" w="med" len="med"/>
+                      <a:tailEnd type="none" w="med" len="med"/>
+                    </a:lnT>
                     <a:lnB w="19050" cap="flat" cmpd="sng" algn="ctr">
-                      <a:solidFill>
-                        <a:schemeClr val="bg1"/>
-                      </a:solidFill>
+                      <a:noFill/>
                       <a:prstDash val="solid"/>
                       <a:round/>
                       <a:headEnd type="none" w="med" len="med"/>
@@ -3931,46 +4095,80 @@
                     <a:bodyPr/>
                     <a:lstStyle/>
                     <a:p>
-                      <a:pPr algn="ctr">
+                      <a:pPr algn="ctr"/>
+                      <a:r>
+                        <a:rPr lang="en-US" altLang="zh-CN" sz="2300" spc="100" baseline="0" dirty="0">
+                          <a:latin typeface="Century" panose="02040604050505020304" pitchFamily="18" charset="0"/>
+                          <a:cs typeface="Times New Roman" panose="02020603050405020304" pitchFamily="18" charset="0"/>
+                        </a:rPr>
+                        <a:t>Ahmad Aziz</a:t>
+                      </a:r>
+                    </a:p>
+                    <a:p>
+                      <a:pPr algn="ctr"/>
+                      <a:endParaRPr lang="en-US" altLang="zh-CN" sz="2300" spc="100" baseline="0" dirty="0">
+                        <a:latin typeface="Century" panose="02040604050505020304" pitchFamily="18" charset="0"/>
+                        <a:cs typeface="Times New Roman" panose="02020603050405020304" pitchFamily="18" charset="0"/>
+                      </a:endParaRPr>
+                    </a:p>
+                    <a:p>
+                      <a:pPr marL="0" marR="0" lvl="0" indent="0" algn="ctr" defTabSz="1219170" rtl="0" eaLnBrk="1" fontAlgn="auto" latinLnBrk="0" hangingPunct="1">
                         <a:lnSpc>
-                          <a:spcPts val="3000"/>
+                          <a:spcPct val="100000"/>
                         </a:lnSpc>
+                        <a:spcBef>
+                          <a:spcPts val="0"/>
+                        </a:spcBef>
+                        <a:spcAft>
+                          <a:spcPts val="0"/>
+                        </a:spcAft>
+                        <a:buClrTx/>
+                        <a:buSzTx/>
+                        <a:buFontTx/>
+                        <a:buNone/>
+                        <a:tabLst/>
+                        <a:defRPr/>
                       </a:pPr>
                       <a:r>
-                        <a:rPr lang="en-US" altLang="zh-CN" sz="2400" spc="100" baseline="0" dirty="0" err="1">
-                          <a:latin typeface="Times New Roman" panose="02020603050405020304" pitchFamily="18" charset="0"/>
+                        <a:rPr lang="de-DE" altLang="zh-CN" sz="2300" spc="100" baseline="0" dirty="0">
+                          <a:latin typeface="Century" panose="02040604050505020304" pitchFamily="18" charset="0"/>
                           <a:cs typeface="Times New Roman" panose="02020603050405020304" pitchFamily="18" charset="0"/>
                         </a:rPr>
-                        <a:t>tbd</a:t>
+                        <a:t>University of Bonn </a:t>
                       </a:r>
-                      <a:endParaRPr lang="zh-CN" altLang="en-US" sz="2400" spc="100" baseline="0" dirty="0">
-                        <a:latin typeface="Times New Roman" panose="02020603050405020304" pitchFamily="18" charset="0"/>
-                        <a:cs typeface="Times New Roman" panose="02020603050405020304" pitchFamily="18" charset="0"/>
-                      </a:endParaRPr>
+                      <a:r>
+                        <a:rPr lang="en-US" altLang="zh-CN" sz="2300" spc="100" baseline="0" dirty="0">
+                          <a:latin typeface="Century" panose="02040604050505020304" pitchFamily="18" charset="0"/>
+                          <a:cs typeface="Times New Roman" panose="02020603050405020304" pitchFamily="18" charset="0"/>
+                        </a:rPr>
+                        <a:t>&amp; German Center for Neurodegenerative Diseases</a:t>
+                      </a:r>
                     </a:p>
                   </a:txBody>
-                  <a:tcPr marL="90334" marR="90334" marT="45166" marB="45166" anchor="ctr">
+                  <a:tcPr marL="85409" marR="85409" marT="42704" marB="42704" anchor="ctr">
                     <a:lnL w="19050" cap="flat" cmpd="sng" algn="ctr">
-                      <a:solidFill>
-                        <a:schemeClr val="bg1"/>
-                      </a:solidFill>
-                      <a:prstDash val="solid"/>
-                      <a:round/>
-                      <a:headEnd type="none" w="med" len="med"/>
-                      <a:tailEnd type="none" w="med" len="med"/>
-                    </a:lnL>
-                    <a:lnR w="12700" cap="flat" cmpd="sng" algn="ctr">
-                      <a:noFill/>
-                      <a:prstDash val="solid"/>
-                      <a:round/>
-                      <a:headEnd type="none" w="med" len="med"/>
-                      <a:tailEnd type="none" w="med" len="med"/>
-                    </a:lnR>
-                    <a:lnT w="19050" cap="flat" cmpd="sng" algn="ctr">
                       <a:solidFill>
                         <a:schemeClr val="accent1">
                           <a:lumMod val="75000"/>
                         </a:schemeClr>
+                      </a:solidFill>
+                      <a:prstDash val="solid"/>
+                      <a:round/>
+                      <a:headEnd type="none" w="med" len="med"/>
+                      <a:tailEnd type="none" w="med" len="med"/>
+                    </a:lnL>
+                    <a:lnR w="19050" cap="flat" cmpd="sng" algn="ctr">
+                      <a:solidFill>
+                        <a:schemeClr val="bg1"/>
+                      </a:solidFill>
+                      <a:prstDash val="solid"/>
+                      <a:round/>
+                      <a:headEnd type="none" w="med" len="med"/>
+                      <a:tailEnd type="none" w="med" len="med"/>
+                    </a:lnR>
+                    <a:lnT w="12700" cap="flat" cmpd="sng" algn="ctr">
+                      <a:solidFill>
+                        <a:schemeClr val="bg1"/>
                       </a:solidFill>
                       <a:prstDash val="solid"/>
                       <a:round/>
@@ -4002,42 +4200,100 @@
                     </a:solidFill>
                   </a:tcPr>
                 </a:tc>
-                <a:tc rowSpan="7">
+                <a:tc>
                   <a:txBody>
                     <a:bodyPr/>
                     <a:lstStyle/>
                     <a:p>
-                      <a:pPr marL="0" algn="ctr" defTabSz="1219170" rtl="0" eaLnBrk="1" latinLnBrk="0" hangingPunct="1"/>
+                      <a:pPr algn="ctr">
+                        <a:lnSpc>
+                          <a:spcPts val="3000"/>
+                        </a:lnSpc>
+                      </a:pPr>
                       <a:r>
-                        <a:rPr lang="en-US" altLang="zh-CN" sz="2400" kern="1200" spc="100" baseline="0" dirty="0" err="1">
-                          <a:solidFill>
-                            <a:schemeClr val="dk1"/>
-                          </a:solidFill>
-                          <a:latin typeface="Century" panose="02040604050505020304" pitchFamily="18" charset="0"/>
-                          <a:ea typeface="+mn-ea"/>
+                        <a:rPr lang="en-US" altLang="zh-CN" sz="2300" spc="100" baseline="0" dirty="0">
+                          <a:latin typeface="Times New Roman" panose="02020603050405020304" pitchFamily="18" charset="0"/>
                           <a:cs typeface="Times New Roman" panose="02020603050405020304" pitchFamily="18" charset="0"/>
                         </a:rPr>
-                        <a:t>Jialu</a:t>
+                        <a:t>Keynote</a:t>
                       </a:r>
                       <a:r>
-                        <a:rPr lang="en-US" altLang="zh-CN" sz="2400" kern="1200" spc="100" baseline="0" dirty="0">
-                          <a:solidFill>
-                            <a:schemeClr val="dk1"/>
-                          </a:solidFill>
-                          <a:latin typeface="Century" panose="02040604050505020304" pitchFamily="18" charset="0"/>
-                          <a:ea typeface="+mn-ea"/>
+                        <a:rPr lang="zh-CN" altLang="en-US" sz="2300" spc="100" baseline="0" dirty="0">
+                          <a:latin typeface="Times New Roman" panose="02020603050405020304" pitchFamily="18" charset="0"/>
                           <a:cs typeface="Times New Roman" panose="02020603050405020304" pitchFamily="18" charset="0"/>
                         </a:rPr>
-                        <a:t> Hu</a:t>
+                        <a:t>：</a:t>
                       </a:r>
-                      <a:endParaRPr lang="zh-CN" altLang="en-US" sz="2400" kern="1200" spc="100" baseline="0" dirty="0">
-                        <a:solidFill>
-                          <a:schemeClr val="dk1"/>
-                        </a:solidFill>
-                        <a:latin typeface="Century" panose="02040604050505020304" pitchFamily="18" charset="0"/>
-                        <a:ea typeface="+mn-ea"/>
+                      <a:r>
+                        <a:rPr lang="en-US" altLang="zh-CN" sz="2300" spc="100" baseline="0" dirty="0" err="1">
+                          <a:latin typeface="Times New Roman" panose="02020603050405020304" pitchFamily="18" charset="0"/>
+                          <a:cs typeface="Times New Roman" panose="02020603050405020304" pitchFamily="18" charset="0"/>
+                        </a:rPr>
+                        <a:t>tbd</a:t>
+                      </a:r>
+                      <a:endParaRPr lang="zh-CN" altLang="en-US" sz="2300" spc="100" baseline="0" dirty="0">
+                        <a:latin typeface="Times New Roman" panose="02020603050405020304" pitchFamily="18" charset="0"/>
                         <a:cs typeface="Times New Roman" panose="02020603050405020304" pitchFamily="18" charset="0"/>
                       </a:endParaRPr>
+                    </a:p>
+                  </a:txBody>
+                  <a:tcPr marL="85409" marR="85409" marT="42704" marB="42704" anchor="ctr">
+                    <a:lnL w="19050" cap="flat" cmpd="sng" algn="ctr">
+                      <a:solidFill>
+                        <a:schemeClr val="bg1"/>
+                      </a:solidFill>
+                      <a:prstDash val="solid"/>
+                      <a:round/>
+                      <a:headEnd type="none" w="med" len="med"/>
+                      <a:tailEnd type="none" w="med" len="med"/>
+                    </a:lnL>
+                    <a:lnR w="12700" cap="flat" cmpd="sng" algn="ctr">
+                      <a:noFill/>
+                      <a:prstDash val="solid"/>
+                      <a:round/>
+                      <a:headEnd type="none" w="med" len="med"/>
+                      <a:tailEnd type="none" w="med" len="med"/>
+                    </a:lnR>
+                    <a:lnT w="12700" cap="flat" cmpd="sng" algn="ctr">
+                      <a:solidFill>
+                        <a:schemeClr val="bg1"/>
+                      </a:solidFill>
+                      <a:prstDash val="solid"/>
+                      <a:round/>
+                      <a:headEnd type="none" w="med" len="med"/>
+                      <a:tailEnd type="none" w="med" len="med"/>
+                    </a:lnT>
+                    <a:lnB w="19050" cap="flat" cmpd="sng" algn="ctr">
+                      <a:solidFill>
+                        <a:schemeClr val="bg1"/>
+                      </a:solidFill>
+                      <a:prstDash val="solid"/>
+                      <a:round/>
+                      <a:headEnd type="none" w="med" len="med"/>
+                      <a:tailEnd type="none" w="med" len="med"/>
+                    </a:lnB>
+                    <a:lnTlToBr w="12700" cmpd="sng">
+                      <a:noFill/>
+                      <a:prstDash val="solid"/>
+                    </a:lnTlToBr>
+                    <a:lnBlToTr w="12700" cmpd="sng">
+                      <a:noFill/>
+                      <a:prstDash val="solid"/>
+                    </a:lnBlToTr>
+                    <a:solidFill>
+                      <a:schemeClr val="accent3">
+                        <a:lumMod val="20000"/>
+                        <a:lumOff val="80000"/>
+                      </a:schemeClr>
+                    </a:solidFill>
+                  </a:tcPr>
+                </a:tc>
+                <a:tc vMerge="1">
+                  <a:txBody>
+                    <a:bodyPr/>
+                    <a:lstStyle/>
+                    <a:p>
+                      <a:endParaRPr dirty="0"/>
                     </a:p>
                   </a:txBody>
                   <a:tcPr marL="90334" marR="90334" marT="45166" marB="45166" anchor="ctr">
@@ -4081,7 +4337,7 @@
                   </a:ext>
                 </a:extLst>
               </a:tr>
-              <a:tr h="2445237">
+              <a:tr h="2544148">
                 <a:tc>
                   <a:txBody>
                     <a:bodyPr/>
@@ -4089,7 +4345,7 @@
                     <a:p>
                       <a:pPr algn="ctr"/>
                       <a:r>
-                        <a:rPr lang="en-US" altLang="zh-CN" sz="2400" b="1" spc="100" baseline="0" dirty="0">
+                        <a:rPr lang="en-US" altLang="zh-CN" sz="2300" b="1" spc="100" baseline="0" dirty="0">
                           <a:solidFill>
                             <a:schemeClr val="accent1">
                               <a:lumMod val="50000"/>
@@ -4098,7 +4354,7 @@
                         </a:rPr>
                         <a:t>14:30-15:00</a:t>
                       </a:r>
-                      <a:endParaRPr lang="zh-CN" altLang="en-US" sz="2400" b="1" spc="100" baseline="0" dirty="0">
+                      <a:endParaRPr lang="zh-CN" altLang="en-US" sz="2300" b="1" spc="100" baseline="0" dirty="0">
                         <a:solidFill>
                           <a:schemeClr val="accent1">
                             <a:lumMod val="50000"/>
@@ -4107,7 +4363,7 @@
                       </a:endParaRPr>
                     </a:p>
                   </a:txBody>
-                  <a:tcPr marL="90334" marR="90334" marT="45166" marB="45166" anchor="ctr">
+                  <a:tcPr marL="85409" marR="85409" marT="42704" marB="42704" anchor="ctr">
                     <a:lnL>
                       <a:noFill/>
                     </a:lnL>
@@ -4159,16 +4415,16 @@
                     <a:p>
                       <a:pPr algn="ctr"/>
                       <a:r>
-                        <a:rPr lang="en-US" altLang="zh-CN" sz="2400" spc="100" baseline="0" dirty="0">
+                        <a:rPr lang="en-US" altLang="zh-CN" sz="2300" spc="100" baseline="0" dirty="0">
                           <a:latin typeface="Century" panose="02040604050505020304" pitchFamily="18" charset="0"/>
                           <a:cs typeface="Times New Roman" panose="02020603050405020304" pitchFamily="18" charset="0"/>
                         </a:rPr>
-                        <a:t>Prof. Le Zhang</a:t>
+                        <a:t>Le Zhang</a:t>
                       </a:r>
                     </a:p>
                     <a:p>
                       <a:pPr algn="ctr"/>
-                      <a:endParaRPr lang="en-US" altLang="zh-CN" sz="2400" spc="100" baseline="0" dirty="0">
+                      <a:endParaRPr lang="en-US" altLang="zh-CN" sz="2300" spc="100" baseline="0" dirty="0">
                         <a:latin typeface="Century" panose="02040604050505020304" pitchFamily="18" charset="0"/>
                         <a:cs typeface="Times New Roman" panose="02020603050405020304" pitchFamily="18" charset="0"/>
                       </a:endParaRPr>
@@ -4176,19 +4432,19 @@
                     <a:p>
                       <a:pPr algn="ctr"/>
                       <a:r>
-                        <a:rPr lang="en-US" altLang="zh-CN" sz="2400" spc="100" baseline="0" dirty="0">
+                        <a:rPr lang="en-US" altLang="zh-CN" sz="2300" spc="100" baseline="0" dirty="0">
                           <a:latin typeface="Century" panose="02040604050505020304" pitchFamily="18" charset="0"/>
                           <a:cs typeface="Times New Roman" panose="02020603050405020304" pitchFamily="18" charset="0"/>
                         </a:rPr>
-                        <a:t>SCU </a:t>
+                        <a:t>Sichuan University </a:t>
                       </a:r>
-                      <a:endParaRPr lang="zh-CN" altLang="en-US" sz="2400" spc="100" baseline="0" dirty="0">
+                      <a:endParaRPr lang="zh-CN" altLang="en-US" sz="2300" spc="100" baseline="0" dirty="0">
                         <a:latin typeface="Century" panose="02040604050505020304" pitchFamily="18" charset="0"/>
                         <a:cs typeface="Times New Roman" panose="02020603050405020304" pitchFamily="18" charset="0"/>
                       </a:endParaRPr>
                     </a:p>
                   </a:txBody>
-                  <a:tcPr marL="90334" marR="90334" marT="45166" marB="45166" anchor="ctr">
+                  <a:tcPr marL="85409" marR="85409" marT="42704" marB="42704" anchor="ctr">
                     <a:lnL w="19050" cap="flat" cmpd="sng" algn="ctr">
                       <a:solidFill>
                         <a:schemeClr val="accent1">
@@ -4265,7 +4521,7 @@
                         <a:tabLst/>
                         <a:defRPr/>
                       </a:pPr>
-                      <a:endParaRPr lang="en-US" altLang="zh-CN" sz="2400" spc="100" baseline="0" dirty="0">
+                      <a:endParaRPr lang="en-US" altLang="zh-CN" sz="2300" spc="100" baseline="0" dirty="0">
                         <a:latin typeface="Times New Roman" panose="02020603050405020304" pitchFamily="18" charset="0"/>
                         <a:cs typeface="Times New Roman" panose="02020603050405020304" pitchFamily="18" charset="0"/>
                       </a:endParaRPr>
@@ -4289,34 +4545,34 @@
                         <a:defRPr/>
                       </a:pPr>
                       <a:r>
-                        <a:rPr lang="en-US" altLang="zh-CN" sz="2400" spc="100" baseline="0" dirty="0" err="1">
+                        <a:rPr lang="en-US" altLang="zh-CN" sz="2300" spc="100" baseline="0" dirty="0" err="1">
                           <a:latin typeface="Times New Roman" panose="02020603050405020304" pitchFamily="18" charset="0"/>
                           <a:cs typeface="Times New Roman" panose="02020603050405020304" pitchFamily="18" charset="0"/>
                         </a:rPr>
                         <a:t>ConvNeXt</a:t>
                       </a:r>
                       <a:r>
-                        <a:rPr lang="en-US" altLang="zh-CN" sz="2400" spc="100" baseline="0" dirty="0">
+                        <a:rPr lang="en-US" altLang="zh-CN" sz="2300" spc="100" baseline="0" dirty="0">
                           <a:latin typeface="Times New Roman" panose="02020603050405020304" pitchFamily="18" charset="0"/>
                           <a:cs typeface="Times New Roman" panose="02020603050405020304" pitchFamily="18" charset="0"/>
                         </a:rPr>
                         <a:t>-MHC: improving MHC–peptide affinity prediction by structure-derived degenerate coding and the </a:t>
                       </a:r>
                       <a:r>
-                        <a:rPr lang="en-US" altLang="zh-CN" sz="2400" spc="100" baseline="0" dirty="0" err="1">
+                        <a:rPr lang="en-US" altLang="zh-CN" sz="2300" spc="100" baseline="0" dirty="0" err="1">
                           <a:latin typeface="Times New Roman" panose="02020603050405020304" pitchFamily="18" charset="0"/>
                           <a:cs typeface="Times New Roman" panose="02020603050405020304" pitchFamily="18" charset="0"/>
                         </a:rPr>
                         <a:t>ConvNeXt</a:t>
                       </a:r>
                       <a:r>
-                        <a:rPr lang="en-US" altLang="zh-CN" sz="2400" spc="100" baseline="0" dirty="0">
+                        <a:rPr lang="en-US" altLang="zh-CN" sz="2300" spc="100" baseline="0" dirty="0">
                           <a:latin typeface="Times New Roman" panose="02020603050405020304" pitchFamily="18" charset="0"/>
                           <a:cs typeface="Times New Roman" panose="02020603050405020304" pitchFamily="18" charset="0"/>
                         </a:rPr>
                         <a:t> model</a:t>
                       </a:r>
-                      <a:endParaRPr lang="zh-CN" altLang="en-US" sz="2400" spc="100" baseline="0" dirty="0">
+                      <a:endParaRPr lang="zh-CN" altLang="en-US" sz="2300" spc="100" baseline="0" dirty="0">
                         <a:latin typeface="Times New Roman" panose="02020603050405020304" pitchFamily="18" charset="0"/>
                         <a:cs typeface="Times New Roman" panose="02020603050405020304" pitchFamily="18" charset="0"/>
                       </a:endParaRPr>
@@ -4327,13 +4583,13 @@
                           <a:spcPts val="3000"/>
                         </a:lnSpc>
                       </a:pPr>
-                      <a:endParaRPr lang="zh-CN" altLang="en-US" sz="2400" spc="100" baseline="0" dirty="0">
+                      <a:endParaRPr lang="zh-CN" altLang="en-US" sz="2300" spc="100" baseline="0" dirty="0">
                         <a:latin typeface="Times New Roman" panose="02020603050405020304" pitchFamily="18" charset="0"/>
                         <a:cs typeface="Times New Roman" panose="02020603050405020304" pitchFamily="18" charset="0"/>
                       </a:endParaRPr>
                     </a:p>
                   </a:txBody>
-                  <a:tcPr marL="90334" marR="90334" marT="45166" marB="45166" anchor="ctr">
+                  <a:tcPr marL="85409" marR="85409" marT="42704" marB="42704" anchor="ctr">
                     <a:lnL w="19050" cap="flat" cmpd="sng" algn="ctr">
                       <a:solidFill>
                         <a:schemeClr val="bg1"/>
@@ -4401,7 +4657,7 @@
                   </a:ext>
                 </a:extLst>
               </a:tr>
-              <a:tr h="1272548">
+              <a:tr h="1614079">
                 <a:tc>
                   <a:txBody>
                     <a:bodyPr/>
@@ -4409,7 +4665,7 @@
                     <a:p>
                       <a:pPr algn="ctr"/>
                       <a:r>
-                        <a:rPr lang="en-US" altLang="zh-CN" sz="2400" b="1" spc="100" baseline="0" dirty="0">
+                        <a:rPr lang="en-US" altLang="zh-CN" sz="2300" b="1" spc="100" baseline="0" dirty="0">
                           <a:solidFill>
                             <a:schemeClr val="accent1">
                               <a:lumMod val="50000"/>
@@ -4418,7 +4674,7 @@
                         </a:rPr>
                         <a:t>15:00-15:30</a:t>
                       </a:r>
-                      <a:endParaRPr lang="zh-CN" altLang="en-US" sz="2400" b="1" spc="100" baseline="0" dirty="0">
+                      <a:endParaRPr lang="zh-CN" altLang="en-US" sz="2300" b="1" spc="100" baseline="0" dirty="0">
                         <a:solidFill>
                           <a:schemeClr val="accent1">
                             <a:lumMod val="50000"/>
@@ -4427,7 +4683,7 @@
                       </a:endParaRPr>
                     </a:p>
                   </a:txBody>
-                  <a:tcPr marL="90334" marR="90334" marT="45166" marB="45166" anchor="ctr">
+                  <a:tcPr marL="85409" marR="85409" marT="42704" marB="42704" anchor="ctr">
                     <a:lnL>
                       <a:noFill/>
                     </a:lnL>
@@ -4479,50 +4735,39 @@
                     <a:p>
                       <a:pPr algn="ctr"/>
                       <a:r>
-                        <a:rPr lang="en-US" altLang="zh-CN" sz="2400" spc="100" baseline="0" dirty="0">
+                        <a:rPr lang="en-US" altLang="zh-CN" sz="2300" spc="100" baseline="0" dirty="0" err="1">
                           <a:latin typeface="Century" panose="02040604050505020304" pitchFamily="18" charset="0"/>
                           <a:cs typeface="Times New Roman" panose="02020603050405020304" pitchFamily="18" charset="0"/>
                         </a:rPr>
-                        <a:t>Prof. </a:t>
+                        <a:t>Shuilin</a:t>
                       </a:r>
                       <a:r>
-                        <a:rPr lang="en-US" altLang="zh-CN" sz="2400" spc="100" baseline="0" dirty="0" err="1">
+                        <a:rPr lang="en-US" altLang="zh-CN" sz="2300" spc="100" baseline="0" dirty="0">
                           <a:latin typeface="Century" panose="02040604050505020304" pitchFamily="18" charset="0"/>
                           <a:cs typeface="Times New Roman" panose="02020603050405020304" pitchFamily="18" charset="0"/>
                         </a:rPr>
-                        <a:t>Zhicong</a:t>
+                        <a:t> Jin</a:t>
                       </a:r>
+                    </a:p>
+                    <a:p>
+                      <a:pPr algn="ctr"/>
+                      <a:endParaRPr lang="en-US" altLang="zh-CN" sz="2300" spc="100" baseline="0" dirty="0">
+                        <a:latin typeface="Century" panose="02040604050505020304" pitchFamily="18" charset="0"/>
+                        <a:cs typeface="Times New Roman" panose="02020603050405020304" pitchFamily="18" charset="0"/>
+                      </a:endParaRPr>
+                    </a:p>
+                    <a:p>
+                      <a:pPr algn="ctr"/>
                       <a:r>
-                        <a:rPr lang="en-US" altLang="zh-CN" sz="2400" spc="100" baseline="0" dirty="0">
+                        <a:rPr lang="en-US" altLang="zh-CN" sz="2300" spc="100" baseline="0" dirty="0">
                           <a:latin typeface="Century" panose="02040604050505020304" pitchFamily="18" charset="0"/>
                           <a:cs typeface="Times New Roman" panose="02020603050405020304" pitchFamily="18" charset="0"/>
                         </a:rPr>
-                        <a:t> Wang</a:t>
+                        <a:t>Harbin Institute of Technology</a:t>
                       </a:r>
                     </a:p>
-                    <a:p>
-                      <a:pPr algn="ctr"/>
-                      <a:endParaRPr lang="en-US" altLang="zh-CN" sz="2400" spc="100" baseline="0" dirty="0">
-                        <a:latin typeface="Century" panose="02040604050505020304" pitchFamily="18" charset="0"/>
-                        <a:cs typeface="Times New Roman" panose="02020603050405020304" pitchFamily="18" charset="0"/>
-                      </a:endParaRPr>
-                    </a:p>
-                    <a:p>
-                      <a:pPr algn="ctr"/>
-                      <a:r>
-                        <a:rPr lang="en-US" altLang="zh-CN" sz="2400" spc="100" baseline="0" dirty="0">
-                          <a:latin typeface="Century" panose="02040604050505020304" pitchFamily="18" charset="0"/>
-                          <a:cs typeface="Times New Roman" panose="02020603050405020304" pitchFamily="18" charset="0"/>
-                        </a:rPr>
-                        <a:t>UB &amp; DZNE</a:t>
-                      </a:r>
-                      <a:endParaRPr lang="zh-CN" altLang="en-US" sz="2400" spc="100" baseline="0" dirty="0">
-                        <a:latin typeface="Century" panose="02040604050505020304" pitchFamily="18" charset="0"/>
-                        <a:cs typeface="Times New Roman" panose="02020603050405020304" pitchFamily="18" charset="0"/>
-                      </a:endParaRPr>
-                    </a:p>
                   </a:txBody>
-                  <a:tcPr marL="90334" marR="90334" marT="45166" marB="45166" anchor="ctr">
+                  <a:tcPr marL="85409" marR="85409" marT="42704" marB="42704" anchor="ctr">
                     <a:lnL w="19050" cap="flat" cmpd="sng" algn="ctr">
                       <a:solidFill>
                         <a:schemeClr val="accent1">
@@ -4588,19 +4833,19 @@
                         </a:lnSpc>
                       </a:pPr>
                       <a:r>
-                        <a:rPr lang="en-US" altLang="zh-CN" sz="2400" spc="100" baseline="0" dirty="0" err="1">
+                        <a:rPr lang="en-US" altLang="zh-CN" sz="2300" spc="100" baseline="0" dirty="0" err="1">
                           <a:latin typeface="Times New Roman" panose="02020603050405020304" pitchFamily="18" charset="0"/>
                           <a:cs typeface="Times New Roman" panose="02020603050405020304" pitchFamily="18" charset="0"/>
                         </a:rPr>
                         <a:t>tbd</a:t>
                       </a:r>
-                      <a:endParaRPr lang="zh-CN" altLang="en-US" sz="2400" spc="100" baseline="0" dirty="0">
+                      <a:endParaRPr lang="zh-CN" altLang="en-US" sz="2300" spc="100" baseline="0" dirty="0">
                         <a:latin typeface="Times New Roman" panose="02020603050405020304" pitchFamily="18" charset="0"/>
                         <a:cs typeface="Times New Roman" panose="02020603050405020304" pitchFamily="18" charset="0"/>
                       </a:endParaRPr>
                     </a:p>
                   </a:txBody>
-                  <a:tcPr marL="90334" marR="90334" marT="45166" marB="45166" anchor="ctr">
+                  <a:tcPr marL="85409" marR="85409" marT="42704" marB="42704" anchor="ctr">
                     <a:lnL w="19050" cap="flat" cmpd="sng" algn="ctr">
                       <a:solidFill>
                         <a:schemeClr val="bg1"/>
@@ -4668,7 +4913,7 @@
                   </a:ext>
                 </a:extLst>
               </a:tr>
-              <a:tr h="1272548">
+              <a:tr h="2374782">
                 <a:tc>
                   <a:txBody>
                     <a:bodyPr/>
@@ -4676,7 +4921,7 @@
                     <a:p>
                       <a:pPr algn="ctr"/>
                       <a:r>
-                        <a:rPr lang="en-US" altLang="zh-CN" sz="2400" b="1" spc="100" baseline="0" dirty="0">
+                        <a:rPr lang="en-US" altLang="zh-CN" sz="2300" b="1" spc="100" baseline="0" dirty="0">
                           <a:solidFill>
                             <a:schemeClr val="accent1">
                               <a:lumMod val="50000"/>
@@ -4685,7 +4930,7 @@
                         </a:rPr>
                         <a:t>15:30-16:00</a:t>
                       </a:r>
-                      <a:endParaRPr lang="zh-CN" altLang="en-US" sz="2400" b="1" spc="100" baseline="0" dirty="0">
+                      <a:endParaRPr lang="zh-CN" altLang="en-US" sz="2300" b="1" spc="100" baseline="0" dirty="0">
                         <a:solidFill>
                           <a:schemeClr val="accent1">
                             <a:lumMod val="50000"/>
@@ -4694,7 +4939,7 @@
                       </a:endParaRPr>
                     </a:p>
                   </a:txBody>
-                  <a:tcPr marL="90334" marR="90334" marT="45166" marB="45166" anchor="ctr">
+                  <a:tcPr marL="85409" marR="85409" marT="42704" marB="42704" anchor="ctr">
                     <a:lnL>
                       <a:noFill/>
                     </a:lnL>
@@ -4746,46 +4991,62 @@
                     <a:p>
                       <a:pPr algn="ctr"/>
                       <a:r>
-                        <a:rPr lang="en-US" altLang="zh-CN" sz="2400" spc="100" baseline="0" dirty="0">
+                        <a:rPr lang="en-US" altLang="zh-CN" sz="2300" spc="100" baseline="0" dirty="0" err="1">
                           <a:latin typeface="Century" panose="02040604050505020304" pitchFamily="18" charset="0"/>
                           <a:cs typeface="Times New Roman" panose="02020603050405020304" pitchFamily="18" charset="0"/>
                         </a:rPr>
-                        <a:t>Prof. </a:t>
+                        <a:t>Mantey</a:t>
                       </a:r>
                       <a:r>
-                        <a:rPr lang="en-US" altLang="zh-CN" sz="2400" spc="100" baseline="0" dirty="0" err="1">
+                        <a:rPr lang="en-US" altLang="zh-CN" sz="2300" spc="100" baseline="0" dirty="0">
                           <a:latin typeface="Century" panose="02040604050505020304" pitchFamily="18" charset="0"/>
                           <a:cs typeface="Times New Roman" panose="02020603050405020304" pitchFamily="18" charset="0"/>
                         </a:rPr>
-                        <a:t>Shuilin</a:t>
+                        <a:t> Richard</a:t>
                       </a:r>
+                    </a:p>
+                    <a:p>
+                      <a:pPr algn="ctr"/>
+                      <a:endParaRPr lang="en-US" altLang="zh-CN" sz="2300" spc="100" baseline="0" dirty="0">
+                        <a:latin typeface="Century" panose="02040604050505020304" pitchFamily="18" charset="0"/>
+                        <a:cs typeface="Times New Roman" panose="02020603050405020304" pitchFamily="18" charset="0"/>
+                      </a:endParaRPr>
+                    </a:p>
+                    <a:p>
+                      <a:pPr marL="0" marR="0" lvl="0" indent="0" algn="ctr" defTabSz="1219170" rtl="0" eaLnBrk="1" fontAlgn="auto" latinLnBrk="0" hangingPunct="1">
+                        <a:lnSpc>
+                          <a:spcPct val="100000"/>
+                        </a:lnSpc>
+                        <a:spcBef>
+                          <a:spcPts val="0"/>
+                        </a:spcBef>
+                        <a:spcAft>
+                          <a:spcPts val="0"/>
+                        </a:spcAft>
+                        <a:buClrTx/>
+                        <a:buSzTx/>
+                        <a:buFontTx/>
+                        <a:buNone/>
+                        <a:tabLst/>
+                        <a:defRPr/>
+                      </a:pPr>
                       <a:r>
-                        <a:rPr lang="en-US" altLang="zh-CN" sz="2400" spc="100" baseline="0" dirty="0">
+                        <a:rPr lang="de-DE" altLang="zh-CN" sz="2300" spc="100" baseline="0" dirty="0">
                           <a:latin typeface="Century" panose="02040604050505020304" pitchFamily="18" charset="0"/>
                           <a:cs typeface="Times New Roman" panose="02020603050405020304" pitchFamily="18" charset="0"/>
                         </a:rPr>
-                        <a:t> Jin</a:t>
+                        <a:t>University of Bonn </a:t>
                       </a:r>
-                    </a:p>
-                    <a:p>
-                      <a:pPr algn="ctr"/>
-                      <a:endParaRPr lang="en-US" altLang="zh-CN" sz="2400" spc="100" baseline="0" dirty="0">
-                        <a:latin typeface="Century" panose="02040604050505020304" pitchFamily="18" charset="0"/>
-                        <a:cs typeface="Times New Roman" panose="02020603050405020304" pitchFamily="18" charset="0"/>
-                      </a:endParaRPr>
-                    </a:p>
-                    <a:p>
-                      <a:pPr algn="ctr"/>
                       <a:r>
-                        <a:rPr lang="en-US" altLang="zh-CN" sz="2400" spc="100" baseline="0" dirty="0">
+                        <a:rPr lang="en-US" altLang="zh-CN" sz="2300" spc="100" baseline="0" dirty="0">
                           <a:latin typeface="Century" panose="02040604050505020304" pitchFamily="18" charset="0"/>
                           <a:cs typeface="Times New Roman" panose="02020603050405020304" pitchFamily="18" charset="0"/>
                         </a:rPr>
-                        <a:t>HIT</a:t>
+                        <a:t>&amp; German Center for Neurodegenerative Diseases</a:t>
                       </a:r>
                     </a:p>
                   </a:txBody>
-                  <a:tcPr marL="90334" marR="90334" marT="45166" marB="45166" anchor="ctr">
+                  <a:tcPr marL="85409" marR="85409" marT="42704" marB="42704" anchor="ctr">
                     <a:lnL w="19050" cap="flat" cmpd="sng" algn="ctr">
                       <a:solidFill>
                         <a:schemeClr val="accent1">
@@ -4851,19 +5112,15 @@
                         </a:lnSpc>
                       </a:pPr>
                       <a:r>
-                        <a:rPr lang="en-US" altLang="zh-CN" sz="2400" spc="100" baseline="0" dirty="0" err="1">
+                        <a:rPr lang="en-US" altLang="zh-CN" sz="2300" spc="100" baseline="0" dirty="0">
                           <a:latin typeface="Times New Roman" panose="02020603050405020304" pitchFamily="18" charset="0"/>
                           <a:cs typeface="Times New Roman" panose="02020603050405020304" pitchFamily="18" charset="0"/>
                         </a:rPr>
-                        <a:t>tbd</a:t>
+                        <a:t>Tandem repeat polymorphisms as genetic modifiers of brain structure</a:t>
                       </a:r>
-                      <a:endParaRPr lang="zh-CN" altLang="en-US" sz="2400" spc="100" baseline="0" dirty="0">
-                        <a:latin typeface="Times New Roman" panose="02020603050405020304" pitchFamily="18" charset="0"/>
-                        <a:cs typeface="Times New Roman" panose="02020603050405020304" pitchFamily="18" charset="0"/>
-                      </a:endParaRPr>
                     </a:p>
                   </a:txBody>
-                  <a:tcPr marL="90334" marR="90334" marT="45166" marB="45166" anchor="ctr">
+                  <a:tcPr marL="85409" marR="85409" marT="42704" marB="42704" anchor="ctr">
                     <a:lnL w="19050" cap="flat" cmpd="sng" algn="ctr">
                       <a:solidFill>
                         <a:schemeClr val="bg1"/>
@@ -4931,7 +5188,7 @@
                   </a:ext>
                 </a:extLst>
               </a:tr>
-              <a:tr h="1272548">
+              <a:tr h="1614079">
                 <a:tc>
                   <a:txBody>
                     <a:bodyPr/>
@@ -4939,7 +5196,7 @@
                     <a:p>
                       <a:pPr algn="ctr"/>
                       <a:r>
-                        <a:rPr lang="en-US" altLang="zh-CN" sz="2400" b="1" spc="100" baseline="0" dirty="0">
+                        <a:rPr lang="en-US" altLang="zh-CN" sz="2300" b="1" spc="100" baseline="0" dirty="0">
                           <a:solidFill>
                             <a:schemeClr val="accent1">
                               <a:lumMod val="50000"/>
@@ -4948,7 +5205,7 @@
                         </a:rPr>
                         <a:t>16:00-16:30</a:t>
                       </a:r>
-                      <a:endParaRPr lang="zh-CN" altLang="en-US" sz="2400" b="1" spc="100" baseline="0" dirty="0">
+                      <a:endParaRPr lang="zh-CN" altLang="en-US" sz="2300" b="1" spc="100" baseline="0" dirty="0">
                         <a:solidFill>
                           <a:schemeClr val="accent1">
                             <a:lumMod val="50000"/>
@@ -4957,7 +5214,7 @@
                       </a:endParaRPr>
                     </a:p>
                   </a:txBody>
-                  <a:tcPr marL="90334" marR="90334" marT="45166" marB="45166" anchor="ctr">
+                  <a:tcPr marL="85409" marR="85409" marT="42704" marB="42704" anchor="ctr">
                     <a:lnL>
                       <a:noFill/>
                     </a:lnL>
@@ -5009,50 +5266,43 @@
                     <a:p>
                       <a:pPr algn="ctr"/>
                       <a:r>
-                        <a:rPr lang="en-US" altLang="zh-CN" sz="2400" spc="100" baseline="0" dirty="0">
+                        <a:rPr lang="en-US" altLang="zh-CN" sz="2300" spc="100" baseline="0" dirty="0" err="1">
                           <a:latin typeface="Century" panose="02040604050505020304" pitchFamily="18" charset="0"/>
                           <a:cs typeface="Times New Roman" panose="02020603050405020304" pitchFamily="18" charset="0"/>
                         </a:rPr>
-                        <a:t>Prof. </a:t>
+                        <a:t>Yupei</a:t>
                       </a:r>
                       <a:r>
-                        <a:rPr lang="en-US" altLang="zh-CN" sz="2400" spc="100" baseline="0" dirty="0" err="1">
+                        <a:rPr lang="en-US" altLang="zh-CN" sz="2300" spc="100" baseline="0" dirty="0">
                           <a:latin typeface="Century" panose="02040604050505020304" pitchFamily="18" charset="0"/>
                           <a:cs typeface="Times New Roman" panose="02020603050405020304" pitchFamily="18" charset="0"/>
                         </a:rPr>
-                        <a:t>Jialu</a:t>
+                        <a:t> Zhang</a:t>
                       </a:r>
+                    </a:p>
+                    <a:p>
+                      <a:pPr algn="ctr"/>
+                      <a:endParaRPr lang="en-US" altLang="zh-CN" sz="2300" spc="100" baseline="0" dirty="0">
+                        <a:latin typeface="Century" panose="02040604050505020304" pitchFamily="18" charset="0"/>
+                        <a:cs typeface="Times New Roman" panose="02020603050405020304" pitchFamily="18" charset="0"/>
+                      </a:endParaRPr>
+                    </a:p>
+                    <a:p>
+                      <a:pPr algn="ctr"/>
                       <a:r>
-                        <a:rPr lang="en-US" altLang="zh-CN" sz="2400" spc="100" baseline="0" dirty="0">
+                        <a:rPr lang="en-US" altLang="zh-CN" sz="2300" spc="100" baseline="0" dirty="0">
                           <a:latin typeface="Century" panose="02040604050505020304" pitchFamily="18" charset="0"/>
                           <a:cs typeface="Times New Roman" panose="02020603050405020304" pitchFamily="18" charset="0"/>
                         </a:rPr>
-                        <a:t> Hu</a:t>
+                        <a:t>Northwestern Polytechnical University</a:t>
                       </a:r>
-                    </a:p>
-                    <a:p>
-                      <a:pPr algn="ctr"/>
-                      <a:endParaRPr lang="en-US" altLang="zh-CN" sz="2400" spc="100" baseline="0" dirty="0">
+                      <a:endParaRPr lang="zh-CN" altLang="en-US" sz="2300" spc="100" baseline="0" dirty="0">
                         <a:latin typeface="Century" panose="02040604050505020304" pitchFamily="18" charset="0"/>
                         <a:cs typeface="Times New Roman" panose="02020603050405020304" pitchFamily="18" charset="0"/>
                       </a:endParaRPr>
                     </a:p>
-                    <a:p>
-                      <a:pPr algn="ctr"/>
-                      <a:r>
-                        <a:rPr lang="en-US" altLang="zh-CN" sz="2400" spc="100" baseline="0" dirty="0">
-                          <a:latin typeface="Century" panose="02040604050505020304" pitchFamily="18" charset="0"/>
-                          <a:cs typeface="Times New Roman" panose="02020603050405020304" pitchFamily="18" charset="0"/>
-                        </a:rPr>
-                        <a:t>NWPU</a:t>
-                      </a:r>
-                      <a:endParaRPr lang="zh-CN" altLang="en-US" sz="2400" spc="100" baseline="0" dirty="0">
-                        <a:latin typeface="Century" panose="02040604050505020304" pitchFamily="18" charset="0"/>
-                        <a:cs typeface="Times New Roman" panose="02020603050405020304" pitchFamily="18" charset="0"/>
-                      </a:endParaRPr>
-                    </a:p>
                   </a:txBody>
-                  <a:tcPr marL="90334" marR="90334" marT="45166" marB="45166" anchor="ctr">
+                  <a:tcPr marL="85409" marR="85409" marT="42704" marB="42704" anchor="ctr">
                     <a:lnL w="19050" cap="flat" cmpd="sng" algn="ctr">
                       <a:solidFill>
                         <a:schemeClr val="accent1">
@@ -5118,19 +5368,19 @@
                         </a:lnSpc>
                       </a:pPr>
                       <a:r>
-                        <a:rPr lang="en-US" altLang="zh-CN" sz="2400" spc="100" baseline="0" dirty="0" err="1">
+                        <a:rPr lang="en-US" altLang="zh-CN" sz="2300" spc="100" baseline="0" dirty="0" err="1">
                           <a:latin typeface="Times New Roman" panose="02020603050405020304" pitchFamily="18" charset="0"/>
                           <a:cs typeface="Times New Roman" panose="02020603050405020304" pitchFamily="18" charset="0"/>
                         </a:rPr>
                         <a:t>tbd</a:t>
                       </a:r>
-                      <a:endParaRPr lang="zh-CN" altLang="en-US" sz="2400" spc="100" baseline="0" dirty="0">
+                      <a:endParaRPr lang="zh-CN" altLang="en-US" sz="2300" spc="100" baseline="0" dirty="0">
                         <a:latin typeface="Times New Roman" panose="02020603050405020304" pitchFamily="18" charset="0"/>
                         <a:cs typeface="Times New Roman" panose="02020603050405020304" pitchFamily="18" charset="0"/>
                       </a:endParaRPr>
                     </a:p>
                   </a:txBody>
-                  <a:tcPr marL="90334" marR="90334" marT="45166" marB="45166" anchor="ctr">
+                  <a:tcPr marL="85409" marR="85409" marT="42704" marB="42704" anchor="ctr">
                     <a:lnL w="19050" cap="flat" cmpd="sng" algn="ctr">
                       <a:solidFill>
                         <a:schemeClr val="bg1"/>
@@ -5198,7 +5448,7 @@
                   </a:ext>
                 </a:extLst>
               </a:tr>
-              <a:tr h="1272548">
+              <a:tr h="2374782">
                 <a:tc>
                   <a:txBody>
                     <a:bodyPr/>
@@ -5206,7 +5456,7 @@
                     <a:p>
                       <a:pPr algn="ctr"/>
                       <a:r>
-                        <a:rPr lang="en-US" altLang="zh-CN" sz="2400" b="1" spc="100" baseline="0" dirty="0">
+                        <a:rPr lang="en-US" altLang="zh-CN" sz="2300" b="1" spc="100" baseline="0" dirty="0">
                           <a:solidFill>
                             <a:schemeClr val="accent1">
                               <a:lumMod val="50000"/>
@@ -5215,7 +5465,7 @@
                         </a:rPr>
                         <a:t>16:30-17:00</a:t>
                       </a:r>
-                      <a:endParaRPr lang="zh-CN" altLang="en-US" sz="2400" b="1" spc="100" baseline="0" dirty="0">
+                      <a:endParaRPr lang="zh-CN" altLang="en-US" sz="2300" b="1" spc="100" baseline="0" dirty="0">
                         <a:solidFill>
                           <a:schemeClr val="accent1">
                             <a:lumMod val="50000"/>
@@ -5224,7 +5474,7 @@
                       </a:endParaRPr>
                     </a:p>
                   </a:txBody>
-                  <a:tcPr marL="90334" marR="90334" marT="45166" marB="45166" anchor="ctr">
+                  <a:tcPr marL="85409" marR="85409" marT="42704" marB="42704" anchor="ctr">
                     <a:lnL>
                       <a:noFill/>
                     </a:lnL>
@@ -5276,50 +5526,62 @@
                     <a:p>
                       <a:pPr algn="ctr"/>
                       <a:r>
-                        <a:rPr lang="en-US" altLang="zh-CN" sz="2400" spc="100" baseline="0" dirty="0">
+                        <a:rPr lang="en-US" altLang="zh-CN" sz="2300" spc="100" baseline="0" dirty="0" err="1">
                           <a:latin typeface="Century" panose="02040604050505020304" pitchFamily="18" charset="0"/>
                           <a:cs typeface="Times New Roman" panose="02020603050405020304" pitchFamily="18" charset="0"/>
                         </a:rPr>
-                        <a:t>Prof. </a:t>
+                        <a:t>Zhicong</a:t>
                       </a:r>
                       <a:r>
-                        <a:rPr lang="en-US" altLang="zh-CN" sz="2400" spc="100" baseline="0" dirty="0" err="1">
+                        <a:rPr lang="en-US" altLang="zh-CN" sz="2300" spc="100" baseline="0" dirty="0">
                           <a:latin typeface="Century" panose="02040604050505020304" pitchFamily="18" charset="0"/>
                           <a:cs typeface="Times New Roman" panose="02020603050405020304" pitchFamily="18" charset="0"/>
                         </a:rPr>
-                        <a:t>Yupei</a:t>
+                        <a:t> Wang</a:t>
                       </a:r>
+                    </a:p>
+                    <a:p>
+                      <a:pPr algn="ctr"/>
+                      <a:endParaRPr lang="en-US" altLang="zh-CN" sz="2300" spc="100" baseline="0" dirty="0">
+                        <a:latin typeface="Century" panose="02040604050505020304" pitchFamily="18" charset="0"/>
+                        <a:cs typeface="Times New Roman" panose="02020603050405020304" pitchFamily="18" charset="0"/>
+                      </a:endParaRPr>
+                    </a:p>
+                    <a:p>
+                      <a:pPr marL="0" marR="0" lvl="0" indent="0" algn="ctr" defTabSz="1219170" rtl="0" eaLnBrk="1" fontAlgn="auto" latinLnBrk="0" hangingPunct="1">
+                        <a:lnSpc>
+                          <a:spcPct val="100000"/>
+                        </a:lnSpc>
+                        <a:spcBef>
+                          <a:spcPts val="0"/>
+                        </a:spcBef>
+                        <a:spcAft>
+                          <a:spcPts val="0"/>
+                        </a:spcAft>
+                        <a:buClrTx/>
+                        <a:buSzTx/>
+                        <a:buFontTx/>
+                        <a:buNone/>
+                        <a:tabLst/>
+                        <a:defRPr/>
+                      </a:pPr>
                       <a:r>
-                        <a:rPr lang="en-US" altLang="zh-CN" sz="2400" spc="100" baseline="0" dirty="0">
+                        <a:rPr lang="de-DE" altLang="zh-CN" sz="2300" spc="100" baseline="0" dirty="0">
                           <a:latin typeface="Century" panose="02040604050505020304" pitchFamily="18" charset="0"/>
                           <a:cs typeface="Times New Roman" panose="02020603050405020304" pitchFamily="18" charset="0"/>
                         </a:rPr>
-                        <a:t> Zhang</a:t>
+                        <a:t>University of Bonn </a:t>
                       </a:r>
-                    </a:p>
-                    <a:p>
-                      <a:pPr algn="ctr"/>
-                      <a:endParaRPr lang="en-US" altLang="zh-CN" sz="2400" spc="100" baseline="0" dirty="0">
-                        <a:latin typeface="Century" panose="02040604050505020304" pitchFamily="18" charset="0"/>
-                        <a:cs typeface="Times New Roman" panose="02020603050405020304" pitchFamily="18" charset="0"/>
-                      </a:endParaRPr>
-                    </a:p>
-                    <a:p>
-                      <a:pPr algn="ctr"/>
                       <a:r>
-                        <a:rPr lang="en-US" altLang="zh-CN" sz="2400" spc="100" baseline="0" dirty="0">
+                        <a:rPr lang="en-US" altLang="zh-CN" sz="2300" spc="100" baseline="0" dirty="0">
                           <a:latin typeface="Century" panose="02040604050505020304" pitchFamily="18" charset="0"/>
                           <a:cs typeface="Times New Roman" panose="02020603050405020304" pitchFamily="18" charset="0"/>
                         </a:rPr>
-                        <a:t>NWPU</a:t>
+                        <a:t>&amp; German Center for Neurodegenerative Diseases</a:t>
                       </a:r>
-                      <a:endParaRPr lang="zh-CN" altLang="en-US" sz="2400" spc="100" baseline="0" dirty="0">
-                        <a:latin typeface="Century" panose="02040604050505020304" pitchFamily="18" charset="0"/>
-                        <a:cs typeface="Times New Roman" panose="02020603050405020304" pitchFamily="18" charset="0"/>
-                      </a:endParaRPr>
                     </a:p>
                   </a:txBody>
-                  <a:tcPr marL="90334" marR="90334" marT="45166" marB="45166" anchor="ctr">
+                  <a:tcPr marL="85409" marR="85409" marT="42704" marB="42704" anchor="ctr">
                     <a:lnL w="19050" cap="flat" cmpd="sng" algn="ctr">
                       <a:solidFill>
                         <a:schemeClr val="accent1">
@@ -5385,19 +5647,19 @@
                         </a:lnSpc>
                       </a:pPr>
                       <a:r>
-                        <a:rPr lang="en-US" altLang="zh-CN" sz="2400" spc="100" baseline="0" dirty="0" err="1">
+                        <a:rPr lang="en-US" altLang="zh-CN" sz="2300" spc="100" baseline="0" dirty="0" err="1">
                           <a:latin typeface="Times New Roman" panose="02020603050405020304" pitchFamily="18" charset="0"/>
                           <a:cs typeface="Times New Roman" panose="02020603050405020304" pitchFamily="18" charset="0"/>
                         </a:rPr>
                         <a:t>tbd</a:t>
                       </a:r>
-                      <a:endParaRPr lang="zh-CN" altLang="en-US" sz="2400" spc="100" baseline="0" dirty="0">
+                      <a:endParaRPr lang="zh-CN" altLang="en-US" sz="2300" spc="100" baseline="0" dirty="0">
                         <a:latin typeface="Times New Roman" panose="02020603050405020304" pitchFamily="18" charset="0"/>
                         <a:cs typeface="Times New Roman" panose="02020603050405020304" pitchFamily="18" charset="0"/>
                       </a:endParaRPr>
                     </a:p>
                   </a:txBody>
-                  <a:tcPr marL="90334" marR="90334" marT="45166" marB="45166" anchor="ctr">
+                  <a:tcPr marL="85409" marR="85409" marT="42704" marB="42704" anchor="ctr">
                     <a:lnL w="19050" cap="flat" cmpd="sng" algn="ctr">
                       <a:solidFill>
                         <a:schemeClr val="bg1"/>
@@ -5465,7 +5727,7 @@
                   </a:ext>
                 </a:extLst>
               </a:tr>
-              <a:tr h="1272548">
+              <a:tr h="1614079">
                 <a:tc>
                   <a:txBody>
                     <a:bodyPr/>
@@ -5473,7 +5735,7 @@
                     <a:p>
                       <a:pPr algn="ctr"/>
                       <a:r>
-                        <a:rPr lang="en-US" altLang="zh-CN" sz="2400" b="1" spc="100" baseline="0" dirty="0">
+                        <a:rPr lang="en-US" altLang="zh-CN" sz="2300" b="1" spc="100" baseline="0" dirty="0">
                           <a:solidFill>
                             <a:schemeClr val="accent1">
                               <a:lumMod val="50000"/>
@@ -5482,7 +5744,7 @@
                         </a:rPr>
                         <a:t>17:00-17:30</a:t>
                       </a:r>
-                      <a:endParaRPr lang="zh-CN" altLang="en-US" sz="2400" b="1" spc="100" baseline="0" dirty="0">
+                      <a:endParaRPr lang="zh-CN" altLang="en-US" sz="2300" b="1" spc="100" baseline="0" dirty="0">
                         <a:solidFill>
                           <a:schemeClr val="accent1">
                             <a:lumMod val="50000"/>
@@ -5491,7 +5753,7 @@
                       </a:endParaRPr>
                     </a:p>
                   </a:txBody>
-                  <a:tcPr marL="90334" marR="90334" marT="45166" marB="45166" anchor="ctr">
+                  <a:tcPr marL="85409" marR="85409" marT="42704" marB="42704" anchor="ctr">
                     <a:lnL>
                       <a:noFill/>
                     </a:lnL>
@@ -5543,50 +5805,43 @@
                     <a:p>
                       <a:pPr algn="ctr"/>
                       <a:r>
-                        <a:rPr lang="en-US" altLang="zh-CN" sz="2400" spc="100" baseline="0" dirty="0">
+                        <a:rPr lang="en-US" altLang="zh-CN" sz="2300" spc="100" baseline="0" dirty="0" err="1">
                           <a:latin typeface="Century" panose="02040604050505020304" pitchFamily="18" charset="0"/>
                           <a:cs typeface="Times New Roman" panose="02020603050405020304" pitchFamily="18" charset="0"/>
                         </a:rPr>
-                        <a:t>Dr. </a:t>
+                        <a:t>Jialu</a:t>
                       </a:r>
                       <a:r>
-                        <a:rPr lang="en-US" altLang="zh-CN" sz="2400" spc="100" baseline="0" dirty="0" err="1">
+                        <a:rPr lang="en-US" altLang="zh-CN" sz="2300" spc="100" baseline="0" dirty="0">
                           <a:latin typeface="Century" panose="02040604050505020304" pitchFamily="18" charset="0"/>
                           <a:cs typeface="Times New Roman" panose="02020603050405020304" pitchFamily="18" charset="0"/>
                         </a:rPr>
-                        <a:t>Mantey</a:t>
+                        <a:t> Hu</a:t>
                       </a:r>
+                    </a:p>
+                    <a:p>
+                      <a:pPr algn="ctr"/>
+                      <a:endParaRPr lang="en-US" altLang="zh-CN" sz="2300" spc="100" baseline="0" dirty="0">
+                        <a:latin typeface="Century" panose="02040604050505020304" pitchFamily="18" charset="0"/>
+                        <a:cs typeface="Times New Roman" panose="02020603050405020304" pitchFamily="18" charset="0"/>
+                      </a:endParaRPr>
+                    </a:p>
+                    <a:p>
+                      <a:pPr algn="ctr"/>
                       <a:r>
-                        <a:rPr lang="en-US" altLang="zh-CN" sz="2400" spc="100" baseline="0" dirty="0">
+                        <a:rPr lang="en-US" altLang="zh-CN" sz="2300" spc="100" baseline="0" dirty="0">
                           <a:latin typeface="Century" panose="02040604050505020304" pitchFamily="18" charset="0"/>
                           <a:cs typeface="Times New Roman" panose="02020603050405020304" pitchFamily="18" charset="0"/>
                         </a:rPr>
-                        <a:t> Richard</a:t>
+                        <a:t>Northwestern Polytechnical University</a:t>
                       </a:r>
-                    </a:p>
-                    <a:p>
-                      <a:pPr algn="ctr"/>
-                      <a:endParaRPr lang="en-US" altLang="zh-CN" sz="2400" spc="100" baseline="0" dirty="0">
+                      <a:endParaRPr lang="zh-CN" altLang="en-US" sz="2300" spc="100" baseline="0" dirty="0">
                         <a:latin typeface="Century" panose="02040604050505020304" pitchFamily="18" charset="0"/>
                         <a:cs typeface="Times New Roman" panose="02020603050405020304" pitchFamily="18" charset="0"/>
                       </a:endParaRPr>
                     </a:p>
-                    <a:p>
-                      <a:pPr algn="ctr"/>
-                      <a:r>
-                        <a:rPr lang="en-US" altLang="zh-CN" sz="2400" spc="100" baseline="0" dirty="0">
-                          <a:latin typeface="Century" panose="02040604050505020304" pitchFamily="18" charset="0"/>
-                          <a:cs typeface="Times New Roman" panose="02020603050405020304" pitchFamily="18" charset="0"/>
-                        </a:rPr>
-                        <a:t>UB &amp; DZNE</a:t>
-                      </a:r>
-                      <a:endParaRPr lang="zh-CN" altLang="en-US" sz="2400" spc="100" baseline="0" dirty="0">
-                        <a:latin typeface="Century" panose="02040604050505020304" pitchFamily="18" charset="0"/>
-                        <a:cs typeface="Times New Roman" panose="02020603050405020304" pitchFamily="18" charset="0"/>
-                      </a:endParaRPr>
-                    </a:p>
                   </a:txBody>
-                  <a:tcPr marL="90334" marR="90334" marT="45166" marB="45166" anchor="ctr">
+                  <a:tcPr marL="85409" marR="85409" marT="42704" marB="42704" anchor="ctr">
                     <a:lnL w="19050" cap="flat" cmpd="sng" algn="ctr">
                       <a:solidFill>
                         <a:schemeClr val="accent1">
@@ -5646,19 +5901,19 @@
                         </a:lnSpc>
                       </a:pPr>
                       <a:r>
-                        <a:rPr lang="en-US" altLang="zh-CN" sz="2400" spc="100" baseline="0" dirty="0">
+                        <a:rPr lang="en-US" altLang="zh-CN" sz="2300" spc="100" baseline="0" dirty="0" err="1">
                           <a:latin typeface="Times New Roman" panose="02020603050405020304" pitchFamily="18" charset="0"/>
                           <a:cs typeface="Times New Roman" panose="02020603050405020304" pitchFamily="18" charset="0"/>
                         </a:rPr>
-                        <a:t>Tandem repeat polymorphisms as genetic modifiers of brain structure</a:t>
+                        <a:t>tbd</a:t>
                       </a:r>
-                      <a:endParaRPr lang="zh-CN" altLang="en-US" sz="2400" spc="100" baseline="0" dirty="0">
+                      <a:endParaRPr lang="zh-CN" altLang="en-US" sz="2300" spc="100" baseline="0" dirty="0">
                         <a:latin typeface="Times New Roman" panose="02020603050405020304" pitchFamily="18" charset="0"/>
                         <a:cs typeface="Times New Roman" panose="02020603050405020304" pitchFamily="18" charset="0"/>
                       </a:endParaRPr>
                     </a:p>
                   </a:txBody>
-                  <a:tcPr marL="90334" marR="90334" marT="45166" marB="45166" anchor="ctr">
+                  <a:tcPr marL="85409" marR="85409" marT="42704" marB="42704" anchor="ctr">
                     <a:lnL w="19050" cap="flat" cmpd="sng" algn="ctr">
                       <a:solidFill>
                         <a:schemeClr val="bg1"/>
@@ -5684,8 +5939,12 @@
                       <a:headEnd type="none" w="med" len="med"/>
                       <a:tailEnd type="none" w="med" len="med"/>
                     </a:lnT>
-                    <a:lnB w="25400" cmpd="sng">
-                      <a:noFill/>
+                    <a:lnB w="12700" cap="flat" cmpd="sng" algn="ctr">
+                      <a:noFill/>
+                      <a:prstDash val="solid"/>
+                      <a:round/>
+                      <a:headEnd type="none" w="med" len="med"/>
+                      <a:tailEnd type="none" w="med" len="med"/>
                     </a:lnB>
                     <a:lnTlToBr w="12700" cmpd="sng">
                       <a:noFill/>

--- a/Pictures/test.pptx
+++ b/Pictures/test.pptx
@@ -2986,14 +2986,14 @@
           <p:nvPr>
             <p:extLst>
               <p:ext uri="{D42A27DB-BD31-4B8C-83A1-F6EECF244321}">
-                <p14:modId xmlns:p14="http://schemas.microsoft.com/office/powerpoint/2010/main" val="1136091902"/>
+                <p14:modId xmlns:p14="http://schemas.microsoft.com/office/powerpoint/2010/main" val="751372583"/>
               </p:ext>
             </p:extLst>
           </p:nvPr>
         </p:nvGraphicFramePr>
         <p:xfrm>
           <a:off x="0" y="0"/>
-          <a:ext cx="13271500" cy="18721389"/>
+          <a:ext cx="13271500" cy="18902852"/>
         </p:xfrm>
         <a:graphic>
           <a:graphicData uri="http://schemas.openxmlformats.org/drawingml/2006/table">
@@ -4222,7 +4222,7 @@
                           <a:latin typeface="Times New Roman" panose="02020603050405020304" pitchFamily="18" charset="0"/>
                           <a:cs typeface="Times New Roman" panose="02020603050405020304" pitchFamily="18" charset="0"/>
                         </a:rPr>
-                        <a:t>：</a:t>
+                        <a:t>⭐</a:t>
                       </a:r>
                       <a:r>
                         <a:rPr lang="en-US" altLang="zh-CN" sz="2300" spc="100" baseline="0" dirty="0" err="1">
@@ -4545,6 +4545,20 @@
                         <a:defRPr/>
                       </a:pPr>
                       <a:r>
+                        <a:rPr lang="en-US" altLang="zh-CN" sz="2300" spc="100" baseline="0" dirty="0">
+                          <a:latin typeface="Times New Roman" panose="02020603050405020304" pitchFamily="18" charset="0"/>
+                          <a:cs typeface="Times New Roman" panose="02020603050405020304" pitchFamily="18" charset="0"/>
+                        </a:rPr>
+                        <a:t>Keynote</a:t>
+                      </a:r>
+                      <a:r>
+                        <a:rPr lang="zh-CN" altLang="en-US" sz="2300" spc="100" baseline="0" dirty="0">
+                          <a:latin typeface="Times New Roman" panose="02020603050405020304" pitchFamily="18" charset="0"/>
+                          <a:cs typeface="Times New Roman" panose="02020603050405020304" pitchFamily="18" charset="0"/>
+                        </a:rPr>
+                        <a:t>⭐</a:t>
+                      </a:r>
+                      <a:r>
                         <a:rPr lang="en-US" altLang="zh-CN" sz="2300" spc="100" baseline="0" dirty="0" err="1">
                           <a:latin typeface="Times New Roman" panose="02020603050405020304" pitchFamily="18" charset="0"/>
                           <a:cs typeface="Times New Roman" panose="02020603050405020304" pitchFamily="18" charset="0"/>
@@ -4832,6 +4846,20 @@
                           <a:spcPts val="3000"/>
                         </a:lnSpc>
                       </a:pPr>
+                      <a:r>
+                        <a:rPr lang="en-US" altLang="zh-CN" sz="2300" spc="100" baseline="0" dirty="0">
+                          <a:latin typeface="Times New Roman" panose="02020603050405020304" pitchFamily="18" charset="0"/>
+                          <a:cs typeface="Times New Roman" panose="02020603050405020304" pitchFamily="18" charset="0"/>
+                        </a:rPr>
+                        <a:t>Keynote</a:t>
+                      </a:r>
+                      <a:r>
+                        <a:rPr lang="zh-CN" altLang="en-US" sz="2300" spc="100" baseline="0" dirty="0">
+                          <a:latin typeface="Times New Roman" panose="02020603050405020304" pitchFamily="18" charset="0"/>
+                          <a:cs typeface="Times New Roman" panose="02020603050405020304" pitchFamily="18" charset="0"/>
+                        </a:rPr>
+                        <a:t>⭐</a:t>
+                      </a:r>
                       <a:r>
                         <a:rPr lang="en-US" altLang="zh-CN" sz="2300" spc="100" baseline="0" dirty="0" err="1">
                           <a:latin typeface="Times New Roman" panose="02020603050405020304" pitchFamily="18" charset="0"/>

--- a/Pictures/test.pptx
+++ b/Pictures/test.pptx
@@ -243,7 +243,7 @@
           <a:p>
             <a:fld id="{D997B5FA-0921-464F-AAE1-844C04324D75}" type="datetimeFigureOut">
               <a:rPr lang="zh-CN" altLang="en-US" smtClean="0"/>
-              <a:t>2024/7/23</a:t>
+              <a:t>2024/7/25</a:t>
             </a:fld>
             <a:endParaRPr lang="zh-CN" altLang="en-US"/>
           </a:p>
@@ -413,7 +413,7 @@
           <a:p>
             <a:fld id="{D997B5FA-0921-464F-AAE1-844C04324D75}" type="datetimeFigureOut">
               <a:rPr lang="zh-CN" altLang="en-US" smtClean="0"/>
-              <a:t>2024/7/23</a:t>
+              <a:t>2024/7/25</a:t>
             </a:fld>
             <a:endParaRPr lang="zh-CN" altLang="en-US"/>
           </a:p>
@@ -593,7 +593,7 @@
           <a:p>
             <a:fld id="{D997B5FA-0921-464F-AAE1-844C04324D75}" type="datetimeFigureOut">
               <a:rPr lang="zh-CN" altLang="en-US" smtClean="0"/>
-              <a:t>2024/7/23</a:t>
+              <a:t>2024/7/25</a:t>
             </a:fld>
             <a:endParaRPr lang="zh-CN" altLang="en-US"/>
           </a:p>
@@ -763,7 +763,7 @@
           <a:p>
             <a:fld id="{D997B5FA-0921-464F-AAE1-844C04324D75}" type="datetimeFigureOut">
               <a:rPr lang="zh-CN" altLang="en-US" smtClean="0"/>
-              <a:t>2024/7/23</a:t>
+              <a:t>2024/7/25</a:t>
             </a:fld>
             <a:endParaRPr lang="zh-CN" altLang="en-US"/>
           </a:p>
@@ -1007,7 +1007,7 @@
           <a:p>
             <a:fld id="{D997B5FA-0921-464F-AAE1-844C04324D75}" type="datetimeFigureOut">
               <a:rPr lang="zh-CN" altLang="en-US" smtClean="0"/>
-              <a:t>2024/7/23</a:t>
+              <a:t>2024/7/25</a:t>
             </a:fld>
             <a:endParaRPr lang="zh-CN" altLang="en-US"/>
           </a:p>
@@ -1239,7 +1239,7 @@
           <a:p>
             <a:fld id="{D997B5FA-0921-464F-AAE1-844C04324D75}" type="datetimeFigureOut">
               <a:rPr lang="zh-CN" altLang="en-US" smtClean="0"/>
-              <a:t>2024/7/23</a:t>
+              <a:t>2024/7/25</a:t>
             </a:fld>
             <a:endParaRPr lang="zh-CN" altLang="en-US"/>
           </a:p>
@@ -1606,7 +1606,7 @@
           <a:p>
             <a:fld id="{D997B5FA-0921-464F-AAE1-844C04324D75}" type="datetimeFigureOut">
               <a:rPr lang="zh-CN" altLang="en-US" smtClean="0"/>
-              <a:t>2024/7/23</a:t>
+              <a:t>2024/7/25</a:t>
             </a:fld>
             <a:endParaRPr lang="zh-CN" altLang="en-US"/>
           </a:p>
@@ -1724,7 +1724,7 @@
           <a:p>
             <a:fld id="{D997B5FA-0921-464F-AAE1-844C04324D75}" type="datetimeFigureOut">
               <a:rPr lang="zh-CN" altLang="en-US" smtClean="0"/>
-              <a:t>2024/7/23</a:t>
+              <a:t>2024/7/25</a:t>
             </a:fld>
             <a:endParaRPr lang="zh-CN" altLang="en-US"/>
           </a:p>
@@ -1819,7 +1819,7 @@
           <a:p>
             <a:fld id="{D997B5FA-0921-464F-AAE1-844C04324D75}" type="datetimeFigureOut">
               <a:rPr lang="zh-CN" altLang="en-US" smtClean="0"/>
-              <a:t>2024/7/23</a:t>
+              <a:t>2024/7/25</a:t>
             </a:fld>
             <a:endParaRPr lang="zh-CN" altLang="en-US"/>
           </a:p>
@@ -2096,7 +2096,7 @@
           <a:p>
             <a:fld id="{D997B5FA-0921-464F-AAE1-844C04324D75}" type="datetimeFigureOut">
               <a:rPr lang="zh-CN" altLang="en-US" smtClean="0"/>
-              <a:t>2024/7/23</a:t>
+              <a:t>2024/7/25</a:t>
             </a:fld>
             <a:endParaRPr lang="zh-CN" altLang="en-US"/>
           </a:p>
@@ -2353,7 +2353,7 @@
           <a:p>
             <a:fld id="{D997B5FA-0921-464F-AAE1-844C04324D75}" type="datetimeFigureOut">
               <a:rPr lang="zh-CN" altLang="en-US" smtClean="0"/>
-              <a:t>2024/7/23</a:t>
+              <a:t>2024/7/25</a:t>
             </a:fld>
             <a:endParaRPr lang="zh-CN" altLang="en-US"/>
           </a:p>
@@ -2566,7 +2566,7 @@
           <a:p>
             <a:fld id="{D997B5FA-0921-464F-AAE1-844C04324D75}" type="datetimeFigureOut">
               <a:rPr lang="zh-CN" altLang="en-US" smtClean="0"/>
-              <a:t>2024/7/23</a:t>
+              <a:t>2024/7/25</a:t>
             </a:fld>
             <a:endParaRPr lang="zh-CN" altLang="en-US"/>
           </a:p>
@@ -2986,7 +2986,7 @@
           <p:nvPr>
             <p:extLst>
               <p:ext uri="{D42A27DB-BD31-4B8C-83A1-F6EECF244321}">
-                <p14:modId xmlns:p14="http://schemas.microsoft.com/office/powerpoint/2010/main" val="751372583"/>
+                <p14:modId xmlns:p14="http://schemas.microsoft.com/office/powerpoint/2010/main" val="1795750383"/>
               </p:ext>
             </p:extLst>
           </p:nvPr>
@@ -4749,18 +4749,11 @@
                     <a:p>
                       <a:pPr algn="ctr"/>
                       <a:r>
-                        <a:rPr lang="en-US" altLang="zh-CN" sz="2300" spc="100" baseline="0" dirty="0" err="1">
-                          <a:latin typeface="Century" panose="02040604050505020304" pitchFamily="18" charset="0"/>
-                          <a:cs typeface="Times New Roman" panose="02020603050405020304" pitchFamily="18" charset="0"/>
-                        </a:rPr>
-                        <a:t>Shuilin</a:t>
-                      </a:r>
-                      <a:r>
                         <a:rPr lang="en-US" altLang="zh-CN" sz="2300" spc="100" baseline="0" dirty="0">
                           <a:latin typeface="Century" panose="02040604050505020304" pitchFamily="18" charset="0"/>
                           <a:cs typeface="Times New Roman" panose="02020603050405020304" pitchFamily="18" charset="0"/>
                         </a:rPr>
-                        <a:t> Jin</a:t>
+                        <a:t>Yuxuan Hu</a:t>
                       </a:r>
                     </a:p>
                     <a:p>
@@ -4773,11 +4766,18 @@
                     <a:p>
                       <a:pPr algn="ctr"/>
                       <a:r>
+                        <a:rPr lang="en-US" altLang="zh-CN" sz="2300" spc="100" baseline="0">
+                          <a:latin typeface="Century" panose="02040604050505020304" pitchFamily="18" charset="0"/>
+                          <a:cs typeface="Times New Roman" panose="02020603050405020304" pitchFamily="18" charset="0"/>
+                        </a:rPr>
+                        <a:t>Xidian</a:t>
+                      </a:r>
+                      <a:r>
                         <a:rPr lang="en-US" altLang="zh-CN" sz="2300" spc="100" baseline="0" dirty="0">
                           <a:latin typeface="Century" panose="02040604050505020304" pitchFamily="18" charset="0"/>
                           <a:cs typeface="Times New Roman" panose="02020603050405020304" pitchFamily="18" charset="0"/>
                         </a:rPr>
-                        <a:t>Harbin Institute of Technology</a:t>
+                        <a:t> University</a:t>
                       </a:r>
                     </a:p>
                   </a:txBody>

--- a/Pictures/test.pptx
+++ b/Pictures/test.pptx
@@ -2986,7 +2986,7 @@
           <p:nvPr>
             <p:extLst>
               <p:ext uri="{D42A27DB-BD31-4B8C-83A1-F6EECF244321}">
-                <p14:modId xmlns:p14="http://schemas.microsoft.com/office/powerpoint/2010/main" val="1795750383"/>
+                <p14:modId xmlns:p14="http://schemas.microsoft.com/office/powerpoint/2010/main" val="2478673766"/>
               </p:ext>
             </p:extLst>
           </p:nvPr>
@@ -3735,18 +3735,11 @@
                         <a:defRPr/>
                       </a:pPr>
                       <a:r>
-                        <a:rPr lang="en-US" altLang="zh-CN" sz="2300" spc="100" baseline="0" dirty="0" err="1">
-                          <a:latin typeface="Century" panose="02040604050505020304" pitchFamily="18" charset="0"/>
-                          <a:cs typeface="Times New Roman" panose="02020603050405020304" pitchFamily="18" charset="0"/>
-                        </a:rPr>
-                        <a:t>Xuequn</a:t>
-                      </a:r>
-                      <a:r>
                         <a:rPr lang="en-US" altLang="zh-CN" sz="2300" spc="100" baseline="0" dirty="0">
                           <a:latin typeface="Century" panose="02040604050505020304" pitchFamily="18" charset="0"/>
                           <a:cs typeface="Times New Roman" panose="02020603050405020304" pitchFamily="18" charset="0"/>
                         </a:rPr>
-                        <a:t> Shang</a:t>
+                        <a:t>Lin Gao</a:t>
                       </a:r>
                     </a:p>
                     <a:p>
@@ -3791,16 +3784,19 @@
                         <a:defRPr/>
                       </a:pPr>
                       <a:r>
+                        <a:rPr lang="en-US" altLang="zh-CN" sz="2300" spc="100" baseline="0" dirty="0" err="1">
+                          <a:latin typeface="Century" panose="02040604050505020304" pitchFamily="18" charset="0"/>
+                          <a:cs typeface="Times New Roman" panose="02020603050405020304" pitchFamily="18" charset="0"/>
+                        </a:rPr>
+                        <a:t>Xidian</a:t>
+                      </a:r>
+                      <a:r>
                         <a:rPr lang="en-US" altLang="zh-CN" sz="2300" spc="100" baseline="0" dirty="0">
                           <a:latin typeface="Century" panose="02040604050505020304" pitchFamily="18" charset="0"/>
                           <a:cs typeface="Times New Roman" panose="02020603050405020304" pitchFamily="18" charset="0"/>
                         </a:rPr>
-                        <a:t>Northwestern Polytechnical University</a:t>
-                      </a:r>
-                      <a:endParaRPr lang="zh-CN" altLang="en-US" sz="2300" spc="100" baseline="0" dirty="0">
-                        <a:latin typeface="Century" panose="02040604050505020304" pitchFamily="18" charset="0"/>
-                        <a:cs typeface="Times New Roman" panose="02020603050405020304" pitchFamily="18" charset="0"/>
-                      </a:endParaRPr>
+                        <a:t> University</a:t>
+                      </a:r>
                     </a:p>
                   </a:txBody>
                   <a:tcPr marL="85409" marR="85409" marT="42704" marB="42704" anchor="ctr">
@@ -4766,7 +4762,7 @@
                     <a:p>
                       <a:pPr algn="ctr"/>
                       <a:r>
-                        <a:rPr lang="en-US" altLang="zh-CN" sz="2300" spc="100" baseline="0">
+                        <a:rPr lang="en-US" altLang="zh-CN" sz="2300" spc="100" baseline="0" dirty="0" err="1">
                           <a:latin typeface="Century" panose="02040604050505020304" pitchFamily="18" charset="0"/>
                           <a:cs typeface="Times New Roman" panose="02020603050405020304" pitchFamily="18" charset="0"/>
                         </a:rPr>
@@ -4861,11 +4857,11 @@
                         <a:t>⭐</a:t>
                       </a:r>
                       <a:r>
-                        <a:rPr lang="en-US" altLang="zh-CN" sz="2300" spc="100" baseline="0" dirty="0" err="1">
+                        <a:rPr lang="en-US" altLang="zh-CN" sz="2300" spc="100" baseline="0" dirty="0">
                           <a:latin typeface="Times New Roman" panose="02020603050405020304" pitchFamily="18" charset="0"/>
                           <a:cs typeface="Times New Roman" panose="02020603050405020304" pitchFamily="18" charset="0"/>
                         </a:rPr>
-                        <a:t>tbd</a:t>
+                        <a:t>Graph modeling method for cell communication and organizational architecture</a:t>
                       </a:r>
                       <a:endParaRPr lang="zh-CN" altLang="en-US" sz="2300" spc="100" baseline="0" dirty="0">
                         <a:latin typeface="Times New Roman" panose="02020603050405020304" pitchFamily="18" charset="0"/>

--- a/Pictures/test.pptx
+++ b/Pictures/test.pptx
@@ -243,7 +243,7 @@
           <a:p>
             <a:fld id="{D997B5FA-0921-464F-AAE1-844C04324D75}" type="datetimeFigureOut">
               <a:rPr lang="zh-CN" altLang="en-US" smtClean="0"/>
-              <a:t>2024/7/25</a:t>
+              <a:t>2024/7/26</a:t>
             </a:fld>
             <a:endParaRPr lang="zh-CN" altLang="en-US"/>
           </a:p>
@@ -413,7 +413,7 @@
           <a:p>
             <a:fld id="{D997B5FA-0921-464F-AAE1-844C04324D75}" type="datetimeFigureOut">
               <a:rPr lang="zh-CN" altLang="en-US" smtClean="0"/>
-              <a:t>2024/7/25</a:t>
+              <a:t>2024/7/26</a:t>
             </a:fld>
             <a:endParaRPr lang="zh-CN" altLang="en-US"/>
           </a:p>
@@ -593,7 +593,7 @@
           <a:p>
             <a:fld id="{D997B5FA-0921-464F-AAE1-844C04324D75}" type="datetimeFigureOut">
               <a:rPr lang="zh-CN" altLang="en-US" smtClean="0"/>
-              <a:t>2024/7/25</a:t>
+              <a:t>2024/7/26</a:t>
             </a:fld>
             <a:endParaRPr lang="zh-CN" altLang="en-US"/>
           </a:p>
@@ -763,7 +763,7 @@
           <a:p>
             <a:fld id="{D997B5FA-0921-464F-AAE1-844C04324D75}" type="datetimeFigureOut">
               <a:rPr lang="zh-CN" altLang="en-US" smtClean="0"/>
-              <a:t>2024/7/25</a:t>
+              <a:t>2024/7/26</a:t>
             </a:fld>
             <a:endParaRPr lang="zh-CN" altLang="en-US"/>
           </a:p>
@@ -1007,7 +1007,7 @@
           <a:p>
             <a:fld id="{D997B5FA-0921-464F-AAE1-844C04324D75}" type="datetimeFigureOut">
               <a:rPr lang="zh-CN" altLang="en-US" smtClean="0"/>
-              <a:t>2024/7/25</a:t>
+              <a:t>2024/7/26</a:t>
             </a:fld>
             <a:endParaRPr lang="zh-CN" altLang="en-US"/>
           </a:p>
@@ -1239,7 +1239,7 @@
           <a:p>
             <a:fld id="{D997B5FA-0921-464F-AAE1-844C04324D75}" type="datetimeFigureOut">
               <a:rPr lang="zh-CN" altLang="en-US" smtClean="0"/>
-              <a:t>2024/7/25</a:t>
+              <a:t>2024/7/26</a:t>
             </a:fld>
             <a:endParaRPr lang="zh-CN" altLang="en-US"/>
           </a:p>
@@ -1606,7 +1606,7 @@
           <a:p>
             <a:fld id="{D997B5FA-0921-464F-AAE1-844C04324D75}" type="datetimeFigureOut">
               <a:rPr lang="zh-CN" altLang="en-US" smtClean="0"/>
-              <a:t>2024/7/25</a:t>
+              <a:t>2024/7/26</a:t>
             </a:fld>
             <a:endParaRPr lang="zh-CN" altLang="en-US"/>
           </a:p>
@@ -1724,7 +1724,7 @@
           <a:p>
             <a:fld id="{D997B5FA-0921-464F-AAE1-844C04324D75}" type="datetimeFigureOut">
               <a:rPr lang="zh-CN" altLang="en-US" smtClean="0"/>
-              <a:t>2024/7/25</a:t>
+              <a:t>2024/7/26</a:t>
             </a:fld>
             <a:endParaRPr lang="zh-CN" altLang="en-US"/>
           </a:p>
@@ -1819,7 +1819,7 @@
           <a:p>
             <a:fld id="{D997B5FA-0921-464F-AAE1-844C04324D75}" type="datetimeFigureOut">
               <a:rPr lang="zh-CN" altLang="en-US" smtClean="0"/>
-              <a:t>2024/7/25</a:t>
+              <a:t>2024/7/26</a:t>
             </a:fld>
             <a:endParaRPr lang="zh-CN" altLang="en-US"/>
           </a:p>
@@ -2096,7 +2096,7 @@
           <a:p>
             <a:fld id="{D997B5FA-0921-464F-AAE1-844C04324D75}" type="datetimeFigureOut">
               <a:rPr lang="zh-CN" altLang="en-US" smtClean="0"/>
-              <a:t>2024/7/25</a:t>
+              <a:t>2024/7/26</a:t>
             </a:fld>
             <a:endParaRPr lang="zh-CN" altLang="en-US"/>
           </a:p>
@@ -2353,7 +2353,7 @@
           <a:p>
             <a:fld id="{D997B5FA-0921-464F-AAE1-844C04324D75}" type="datetimeFigureOut">
               <a:rPr lang="zh-CN" altLang="en-US" smtClean="0"/>
-              <a:t>2024/7/25</a:t>
+              <a:t>2024/7/26</a:t>
             </a:fld>
             <a:endParaRPr lang="zh-CN" altLang="en-US"/>
           </a:p>
@@ -2566,7 +2566,7 @@
           <a:p>
             <a:fld id="{D997B5FA-0921-464F-AAE1-844C04324D75}" type="datetimeFigureOut">
               <a:rPr lang="zh-CN" altLang="en-US" smtClean="0"/>
-              <a:t>2024/7/25</a:t>
+              <a:t>2024/7/26</a:t>
             </a:fld>
             <a:endParaRPr lang="zh-CN" altLang="en-US"/>
           </a:p>
@@ -2986,7 +2986,7 @@
           <p:nvPr>
             <p:extLst>
               <p:ext uri="{D42A27DB-BD31-4B8C-83A1-F6EECF244321}">
-                <p14:modId xmlns:p14="http://schemas.microsoft.com/office/powerpoint/2010/main" val="2478673766"/>
+                <p14:modId xmlns:p14="http://schemas.microsoft.com/office/powerpoint/2010/main" val="2663086544"/>
               </p:ext>
             </p:extLst>
           </p:nvPr>
@@ -3190,33 +3190,7 @@
                           <a:latin typeface="Times New Roman" panose="02020603050405020304" pitchFamily="18" charset="0"/>
                           <a:cs typeface="Times New Roman" panose="02020603050405020304" pitchFamily="18" charset="0"/>
                         </a:rPr>
-                        <a:t>Time: Beijing Time (CST) : 13</a:t>
-                      </a:r>
-                      <a:r>
-                        <a:rPr lang="zh-CN" altLang="en-US" sz="1600" b="1" kern="1200" dirty="0">
-                          <a:solidFill>
-                            <a:schemeClr val="accent1">
-                              <a:lumMod val="50000"/>
-                            </a:schemeClr>
-                          </a:solidFill>
-                          <a:effectLst/>
-                          <a:latin typeface="Times New Roman" panose="02020603050405020304" pitchFamily="18" charset="0"/>
-                          <a:cs typeface="Times New Roman" panose="02020603050405020304" pitchFamily="18" charset="0"/>
-                        </a:rPr>
-                        <a:t>：</a:t>
-                      </a:r>
-                      <a:r>
-                        <a:rPr lang="en-US" altLang="zh-CN" sz="1600" b="1" kern="1200" dirty="0">
-                          <a:solidFill>
-                            <a:schemeClr val="accent1">
-                              <a:lumMod val="50000"/>
-                            </a:schemeClr>
-                          </a:solidFill>
-                          <a:effectLst/>
-                          <a:latin typeface="Times New Roman" panose="02020603050405020304" pitchFamily="18" charset="0"/>
-                          <a:cs typeface="Times New Roman" panose="02020603050405020304" pitchFamily="18" charset="0"/>
-                        </a:rPr>
-                        <a:t>50,   Berlin Time (CEST) : 8:00           Date: August 1, 2024</a:t>
+                        <a:t>Time: Beijing Time (CST) : 13:50,   Berlin Time (CEST) : 7:50           Date: August 1, 2024</a:t>
                       </a:r>
                     </a:p>
                     <a:p>

--- a/Pictures/test.pptx
+++ b/Pictures/test.pptx
@@ -2986,7 +2986,7 @@
           <p:nvPr>
             <p:extLst>
               <p:ext uri="{D42A27DB-BD31-4B8C-83A1-F6EECF244321}">
-                <p14:modId xmlns:p14="http://schemas.microsoft.com/office/powerpoint/2010/main" val="2663086544"/>
+                <p14:modId xmlns:p14="http://schemas.microsoft.com/office/powerpoint/2010/main" val="1870323959"/>
               </p:ext>
             </p:extLst>
           </p:nvPr>
@@ -5366,11 +5366,11 @@
                         </a:lnSpc>
                       </a:pPr>
                       <a:r>
-                        <a:rPr lang="en-US" altLang="zh-CN" sz="2300" spc="100" baseline="0" dirty="0" err="1">
+                        <a:rPr lang="en-US" altLang="zh-CN" sz="2300" spc="100" baseline="0" dirty="0">
                           <a:latin typeface="Times New Roman" panose="02020603050405020304" pitchFamily="18" charset="0"/>
                           <a:cs typeface="Times New Roman" panose="02020603050405020304" pitchFamily="18" charset="0"/>
                         </a:rPr>
-                        <a:t>tbd</a:t>
+                        <a:t>Concept-Centered Educational Data Mining</a:t>
                       </a:r>
                       <a:endParaRPr lang="zh-CN" altLang="en-US" sz="2300" spc="100" baseline="0" dirty="0">
                         <a:latin typeface="Times New Roman" panose="02020603050405020304" pitchFamily="18" charset="0"/>

--- a/Pictures/test.pptx
+++ b/Pictures/test.pptx
@@ -2986,7 +2986,7 @@
           <p:nvPr>
             <p:extLst>
               <p:ext uri="{D42A27DB-BD31-4B8C-83A1-F6EECF244321}">
-                <p14:modId xmlns:p14="http://schemas.microsoft.com/office/powerpoint/2010/main" val="1870323959"/>
+                <p14:modId xmlns:p14="http://schemas.microsoft.com/office/powerpoint/2010/main" val="3777421019"/>
               </p:ext>
             </p:extLst>
           </p:nvPr>
@@ -5899,11 +5899,11 @@
                         </a:lnSpc>
                       </a:pPr>
                       <a:r>
-                        <a:rPr lang="en-US" altLang="zh-CN" sz="2300" spc="100" baseline="0" dirty="0" err="1">
+                        <a:rPr lang="en-US" altLang="zh-CN" sz="2300" spc="100" baseline="0" dirty="0">
                           <a:latin typeface="Times New Roman" panose="02020603050405020304" pitchFamily="18" charset="0"/>
                           <a:cs typeface="Times New Roman" panose="02020603050405020304" pitchFamily="18" charset="0"/>
                         </a:rPr>
-                        <a:t>tbd</a:t>
+                        <a:t>Sequencing and characterizing short tandem repeats in human genome</a:t>
                       </a:r>
                       <a:endParaRPr lang="zh-CN" altLang="en-US" sz="2300" spc="100" baseline="0" dirty="0">
                         <a:latin typeface="Times New Roman" panose="02020603050405020304" pitchFamily="18" charset="0"/>

--- a/Pictures/test.pptx
+++ b/Pictures/test.pptx
@@ -2986,7 +2986,7 @@
           <p:nvPr>
             <p:extLst>
               <p:ext uri="{D42A27DB-BD31-4B8C-83A1-F6EECF244321}">
-                <p14:modId xmlns:p14="http://schemas.microsoft.com/office/powerpoint/2010/main" val="3777421019"/>
+                <p14:modId xmlns:p14="http://schemas.microsoft.com/office/powerpoint/2010/main" val="4066611815"/>
               </p:ext>
             </p:extLst>
           </p:nvPr>
@@ -5645,11 +5645,11 @@
                         </a:lnSpc>
                       </a:pPr>
                       <a:r>
-                        <a:rPr lang="en-US" altLang="zh-CN" sz="2300" spc="100" baseline="0" dirty="0" err="1">
+                        <a:rPr lang="en-US" altLang="zh-CN" sz="2300" spc="100" baseline="0" dirty="0">
                           <a:latin typeface="Times New Roman" panose="02020603050405020304" pitchFamily="18" charset="0"/>
                           <a:cs typeface="Times New Roman" panose="02020603050405020304" pitchFamily="18" charset="0"/>
                         </a:rPr>
-                        <a:t>tbd</a:t>
+                        <a:t>Re-examination of the importance of nutrient sensing pathways in aging</a:t>
                       </a:r>
                       <a:endParaRPr lang="zh-CN" altLang="en-US" sz="2300" spc="100" baseline="0" dirty="0">
                         <a:latin typeface="Times New Roman" panose="02020603050405020304" pitchFamily="18" charset="0"/>

--- a/Pictures/test.pptx
+++ b/Pictures/test.pptx
@@ -2986,14 +2986,14 @@
           <p:nvPr>
             <p:extLst>
               <p:ext uri="{D42A27DB-BD31-4B8C-83A1-F6EECF244321}">
-                <p14:modId xmlns:p14="http://schemas.microsoft.com/office/powerpoint/2010/main" val="4066611815"/>
+                <p14:modId xmlns:p14="http://schemas.microsoft.com/office/powerpoint/2010/main" val="2599149886"/>
               </p:ext>
             </p:extLst>
           </p:nvPr>
         </p:nvGraphicFramePr>
         <p:xfrm>
-          <a:off x="0" y="0"/>
-          <a:ext cx="13271500" cy="18902852"/>
+          <a:off x="0" y="1"/>
+          <a:ext cx="13271500" cy="18721386"/>
         </p:xfrm>
         <a:graphic>
           <a:graphicData uri="http://schemas.openxmlformats.org/drawingml/2006/table">
@@ -3031,7 +3031,7 @@
                   </a:extLst>
                 </a:gridCol>
               </a:tblGrid>
-              <a:tr h="1187156">
+              <a:tr h="1172206">
                 <a:tc gridSpan="4">
                   <a:txBody>
                     <a:bodyPr/>
@@ -3172,7 +3172,7 @@
                   </a:ext>
                 </a:extLst>
               </a:tr>
-              <a:tr h="624281">
+              <a:tr h="616419">
                 <a:tc gridSpan="4">
                   <a:txBody>
                     <a:bodyPr/>
@@ -3311,7 +3311,7 @@
                   </a:ext>
                 </a:extLst>
               </a:tr>
-              <a:tr h="473027">
+              <a:tr h="467070">
                 <a:tc>
                   <a:txBody>
                     <a:bodyPr/>
@@ -3611,7 +3611,7 @@
                   </a:ext>
                 </a:extLst>
               </a:tr>
-              <a:tr h="1926194">
+              <a:tr h="1901937">
                 <a:tc>
                   <a:txBody>
                     <a:bodyPr/>
@@ -3989,7 +3989,7 @@
                   </a:ext>
                 </a:extLst>
               </a:tr>
-              <a:tr h="2374782">
+              <a:tr h="2344875">
                 <a:tc>
                   <a:txBody>
                     <a:bodyPr/>
@@ -4307,7 +4307,7 @@
                   </a:ext>
                 </a:extLst>
               </a:tr>
-              <a:tr h="2544148">
+              <a:tr h="2747873">
                 <a:tc>
                   <a:txBody>
                     <a:bodyPr/>
@@ -4641,7 +4641,7 @@
                   </a:ext>
                 </a:extLst>
               </a:tr>
-              <a:tr h="1614079">
+              <a:tr h="1593752">
                 <a:tc>
                   <a:txBody>
                     <a:bodyPr/>
@@ -4911,7 +4911,7 @@
                   </a:ext>
                 </a:extLst>
               </a:tr>
-              <a:tr h="2374782">
+              <a:tr h="2344875">
                 <a:tc>
                   <a:txBody>
                     <a:bodyPr/>
@@ -5186,7 +5186,7 @@
                   </a:ext>
                 </a:extLst>
               </a:tr>
-              <a:tr h="1614079">
+              <a:tr h="1593752">
                 <a:tc>
                   <a:txBody>
                     <a:bodyPr/>
@@ -5446,7 +5446,7 @@
                   </a:ext>
                 </a:extLst>
               </a:tr>
-              <a:tr h="2374782">
+              <a:tr h="2344875">
                 <a:tc>
                   <a:txBody>
                     <a:bodyPr/>
@@ -5725,7 +5725,7 @@
                   </a:ext>
                 </a:extLst>
               </a:tr>
-              <a:tr h="1614079">
+              <a:tr h="1593752">
                 <a:tc>
                   <a:txBody>
                     <a:bodyPr/>

--- a/Pictures/test.pptx
+++ b/Pictures/test.pptx
@@ -243,7 +243,7 @@
           <a:p>
             <a:fld id="{D997B5FA-0921-464F-AAE1-844C04324D75}" type="datetimeFigureOut">
               <a:rPr lang="zh-CN" altLang="en-US" smtClean="0"/>
-              <a:t>2024/7/26</a:t>
+              <a:t>2024/7/31</a:t>
             </a:fld>
             <a:endParaRPr lang="zh-CN" altLang="en-US"/>
           </a:p>
@@ -413,7 +413,7 @@
           <a:p>
             <a:fld id="{D997B5FA-0921-464F-AAE1-844C04324D75}" type="datetimeFigureOut">
               <a:rPr lang="zh-CN" altLang="en-US" smtClean="0"/>
-              <a:t>2024/7/26</a:t>
+              <a:t>2024/7/31</a:t>
             </a:fld>
             <a:endParaRPr lang="zh-CN" altLang="en-US"/>
           </a:p>
@@ -593,7 +593,7 @@
           <a:p>
             <a:fld id="{D997B5FA-0921-464F-AAE1-844C04324D75}" type="datetimeFigureOut">
               <a:rPr lang="zh-CN" altLang="en-US" smtClean="0"/>
-              <a:t>2024/7/26</a:t>
+              <a:t>2024/7/31</a:t>
             </a:fld>
             <a:endParaRPr lang="zh-CN" altLang="en-US"/>
           </a:p>
@@ -763,7 +763,7 @@
           <a:p>
             <a:fld id="{D997B5FA-0921-464F-AAE1-844C04324D75}" type="datetimeFigureOut">
               <a:rPr lang="zh-CN" altLang="en-US" smtClean="0"/>
-              <a:t>2024/7/26</a:t>
+              <a:t>2024/7/31</a:t>
             </a:fld>
             <a:endParaRPr lang="zh-CN" altLang="en-US"/>
           </a:p>
@@ -1007,7 +1007,7 @@
           <a:p>
             <a:fld id="{D997B5FA-0921-464F-AAE1-844C04324D75}" type="datetimeFigureOut">
               <a:rPr lang="zh-CN" altLang="en-US" smtClean="0"/>
-              <a:t>2024/7/26</a:t>
+              <a:t>2024/7/31</a:t>
             </a:fld>
             <a:endParaRPr lang="zh-CN" altLang="en-US"/>
           </a:p>
@@ -1239,7 +1239,7 @@
           <a:p>
             <a:fld id="{D997B5FA-0921-464F-AAE1-844C04324D75}" type="datetimeFigureOut">
               <a:rPr lang="zh-CN" altLang="en-US" smtClean="0"/>
-              <a:t>2024/7/26</a:t>
+              <a:t>2024/7/31</a:t>
             </a:fld>
             <a:endParaRPr lang="zh-CN" altLang="en-US"/>
           </a:p>
@@ -1606,7 +1606,7 @@
           <a:p>
             <a:fld id="{D997B5FA-0921-464F-AAE1-844C04324D75}" type="datetimeFigureOut">
               <a:rPr lang="zh-CN" altLang="en-US" smtClean="0"/>
-              <a:t>2024/7/26</a:t>
+              <a:t>2024/7/31</a:t>
             </a:fld>
             <a:endParaRPr lang="zh-CN" altLang="en-US"/>
           </a:p>
@@ -1724,7 +1724,7 @@
           <a:p>
             <a:fld id="{D997B5FA-0921-464F-AAE1-844C04324D75}" type="datetimeFigureOut">
               <a:rPr lang="zh-CN" altLang="en-US" smtClean="0"/>
-              <a:t>2024/7/26</a:t>
+              <a:t>2024/7/31</a:t>
             </a:fld>
             <a:endParaRPr lang="zh-CN" altLang="en-US"/>
           </a:p>
@@ -1819,7 +1819,7 @@
           <a:p>
             <a:fld id="{D997B5FA-0921-464F-AAE1-844C04324D75}" type="datetimeFigureOut">
               <a:rPr lang="zh-CN" altLang="en-US" smtClean="0"/>
-              <a:t>2024/7/26</a:t>
+              <a:t>2024/7/31</a:t>
             </a:fld>
             <a:endParaRPr lang="zh-CN" altLang="en-US"/>
           </a:p>
@@ -2096,7 +2096,7 @@
           <a:p>
             <a:fld id="{D997B5FA-0921-464F-AAE1-844C04324D75}" type="datetimeFigureOut">
               <a:rPr lang="zh-CN" altLang="en-US" smtClean="0"/>
-              <a:t>2024/7/26</a:t>
+              <a:t>2024/7/31</a:t>
             </a:fld>
             <a:endParaRPr lang="zh-CN" altLang="en-US"/>
           </a:p>
@@ -2353,7 +2353,7 @@
           <a:p>
             <a:fld id="{D997B5FA-0921-464F-AAE1-844C04324D75}" type="datetimeFigureOut">
               <a:rPr lang="zh-CN" altLang="en-US" smtClean="0"/>
-              <a:t>2024/7/26</a:t>
+              <a:t>2024/7/31</a:t>
             </a:fld>
             <a:endParaRPr lang="zh-CN" altLang="en-US"/>
           </a:p>
@@ -2566,7 +2566,7 @@
           <a:p>
             <a:fld id="{D997B5FA-0921-464F-AAE1-844C04324D75}" type="datetimeFigureOut">
               <a:rPr lang="zh-CN" altLang="en-US" smtClean="0"/>
-              <a:t>2024/7/26</a:t>
+              <a:t>2024/7/31</a:t>
             </a:fld>
             <a:endParaRPr lang="zh-CN" altLang="en-US"/>
           </a:p>
@@ -2986,7 +2986,7 @@
           <p:nvPr>
             <p:extLst>
               <p:ext uri="{D42A27DB-BD31-4B8C-83A1-F6EECF244321}">
-                <p14:modId xmlns:p14="http://schemas.microsoft.com/office/powerpoint/2010/main" val="2599149886"/>
+                <p14:modId xmlns:p14="http://schemas.microsoft.com/office/powerpoint/2010/main" val="2286134105"/>
               </p:ext>
             </p:extLst>
           </p:nvPr>
@@ -4195,11 +4195,11 @@
                         <a:t>⭐</a:t>
                       </a:r>
                       <a:r>
-                        <a:rPr lang="en-US" altLang="zh-CN" sz="2300" spc="100" baseline="0" dirty="0" err="1">
+                        <a:rPr lang="en-US" altLang="zh-CN" sz="2300" spc="100" baseline="0">
                           <a:latin typeface="Times New Roman" panose="02020603050405020304" pitchFamily="18" charset="0"/>
                           <a:cs typeface="Times New Roman" panose="02020603050405020304" pitchFamily="18" charset="0"/>
                         </a:rPr>
-                        <a:t>tbd</a:t>
+                        <a:t>The potential of liquid (brain) biopsies in population-based research</a:t>
                       </a:r>
                       <a:endParaRPr lang="zh-CN" altLang="en-US" sz="2300" spc="100" baseline="0" dirty="0">
                         <a:latin typeface="Times New Roman" panose="02020603050405020304" pitchFamily="18" charset="0"/>

--- a/Pictures/test.pptx
+++ b/Pictures/test.pptx
@@ -243,7 +243,7 @@
           <a:p>
             <a:fld id="{D997B5FA-0921-464F-AAE1-844C04324D75}" type="datetimeFigureOut">
               <a:rPr lang="zh-CN" altLang="en-US" smtClean="0"/>
-              <a:t>2024/7/26</a:t>
+              <a:t>2024/12/18</a:t>
             </a:fld>
             <a:endParaRPr lang="zh-CN" altLang="en-US"/>
           </a:p>
@@ -413,7 +413,7 @@
           <a:p>
             <a:fld id="{D997B5FA-0921-464F-AAE1-844C04324D75}" type="datetimeFigureOut">
               <a:rPr lang="zh-CN" altLang="en-US" smtClean="0"/>
-              <a:t>2024/7/26</a:t>
+              <a:t>2024/12/18</a:t>
             </a:fld>
             <a:endParaRPr lang="zh-CN" altLang="en-US"/>
           </a:p>
@@ -593,7 +593,7 @@
           <a:p>
             <a:fld id="{D997B5FA-0921-464F-AAE1-844C04324D75}" type="datetimeFigureOut">
               <a:rPr lang="zh-CN" altLang="en-US" smtClean="0"/>
-              <a:t>2024/7/26</a:t>
+              <a:t>2024/12/18</a:t>
             </a:fld>
             <a:endParaRPr lang="zh-CN" altLang="en-US"/>
           </a:p>
@@ -763,7 +763,7 @@
           <a:p>
             <a:fld id="{D997B5FA-0921-464F-AAE1-844C04324D75}" type="datetimeFigureOut">
               <a:rPr lang="zh-CN" altLang="en-US" smtClean="0"/>
-              <a:t>2024/7/26</a:t>
+              <a:t>2024/12/18</a:t>
             </a:fld>
             <a:endParaRPr lang="zh-CN" altLang="en-US"/>
           </a:p>
@@ -1007,7 +1007,7 @@
           <a:p>
             <a:fld id="{D997B5FA-0921-464F-AAE1-844C04324D75}" type="datetimeFigureOut">
               <a:rPr lang="zh-CN" altLang="en-US" smtClean="0"/>
-              <a:t>2024/7/26</a:t>
+              <a:t>2024/12/18</a:t>
             </a:fld>
             <a:endParaRPr lang="zh-CN" altLang="en-US"/>
           </a:p>
@@ -1239,7 +1239,7 @@
           <a:p>
             <a:fld id="{D997B5FA-0921-464F-AAE1-844C04324D75}" type="datetimeFigureOut">
               <a:rPr lang="zh-CN" altLang="en-US" smtClean="0"/>
-              <a:t>2024/7/26</a:t>
+              <a:t>2024/12/18</a:t>
             </a:fld>
             <a:endParaRPr lang="zh-CN" altLang="en-US"/>
           </a:p>
@@ -1606,7 +1606,7 @@
           <a:p>
             <a:fld id="{D997B5FA-0921-464F-AAE1-844C04324D75}" type="datetimeFigureOut">
               <a:rPr lang="zh-CN" altLang="en-US" smtClean="0"/>
-              <a:t>2024/7/26</a:t>
+              <a:t>2024/12/18</a:t>
             </a:fld>
             <a:endParaRPr lang="zh-CN" altLang="en-US"/>
           </a:p>
@@ -1724,7 +1724,7 @@
           <a:p>
             <a:fld id="{D997B5FA-0921-464F-AAE1-844C04324D75}" type="datetimeFigureOut">
               <a:rPr lang="zh-CN" altLang="en-US" smtClean="0"/>
-              <a:t>2024/7/26</a:t>
+              <a:t>2024/12/18</a:t>
             </a:fld>
             <a:endParaRPr lang="zh-CN" altLang="en-US"/>
           </a:p>
@@ -1819,7 +1819,7 @@
           <a:p>
             <a:fld id="{D997B5FA-0921-464F-AAE1-844C04324D75}" type="datetimeFigureOut">
               <a:rPr lang="zh-CN" altLang="en-US" smtClean="0"/>
-              <a:t>2024/7/26</a:t>
+              <a:t>2024/12/18</a:t>
             </a:fld>
             <a:endParaRPr lang="zh-CN" altLang="en-US"/>
           </a:p>
@@ -2096,7 +2096,7 @@
           <a:p>
             <a:fld id="{D997B5FA-0921-464F-AAE1-844C04324D75}" type="datetimeFigureOut">
               <a:rPr lang="zh-CN" altLang="en-US" smtClean="0"/>
-              <a:t>2024/7/26</a:t>
+              <a:t>2024/12/18</a:t>
             </a:fld>
             <a:endParaRPr lang="zh-CN" altLang="en-US"/>
           </a:p>
@@ -2353,7 +2353,7 @@
           <a:p>
             <a:fld id="{D997B5FA-0921-464F-AAE1-844C04324D75}" type="datetimeFigureOut">
               <a:rPr lang="zh-CN" altLang="en-US" smtClean="0"/>
-              <a:t>2024/7/26</a:t>
+              <a:t>2024/12/18</a:t>
             </a:fld>
             <a:endParaRPr lang="zh-CN" altLang="en-US"/>
           </a:p>
@@ -2566,7 +2566,7 @@
           <a:p>
             <a:fld id="{D997B5FA-0921-464F-AAE1-844C04324D75}" type="datetimeFigureOut">
               <a:rPr lang="zh-CN" altLang="en-US" smtClean="0"/>
-              <a:t>2024/7/26</a:t>
+              <a:t>2024/12/18</a:t>
             </a:fld>
             <a:endParaRPr lang="zh-CN" altLang="en-US"/>
           </a:p>
@@ -5899,11 +5899,32 @@
                         </a:lnSpc>
                       </a:pPr>
                       <a:r>
+                        <a:rPr lang="en-US" altLang="zh-CN" sz="2300" spc="100" baseline="0" dirty="0" smtClean="0">
+                          <a:latin typeface="Times New Roman" panose="02020603050405020304" pitchFamily="18" charset="0"/>
+                          <a:cs typeface="Times New Roman" panose="02020603050405020304" pitchFamily="18" charset="0"/>
+                        </a:rPr>
+                        <a:t>Keynote</a:t>
+                      </a:r>
+                      <a:r>
+                        <a:rPr lang="zh-CN" altLang="en-US" sz="2300" spc="100" baseline="0" dirty="0" smtClean="0">
+                          <a:latin typeface="Times New Roman" panose="02020603050405020304" pitchFamily="18" charset="0"/>
+                          <a:cs typeface="Times New Roman" panose="02020603050405020304" pitchFamily="18" charset="0"/>
+                        </a:rPr>
+                        <a:t>⭐</a:t>
+                      </a:r>
+                      <a:r>
+                        <a:rPr lang="en-US" altLang="zh-CN" sz="2300" spc="100" baseline="0" dirty="0" smtClean="0">
+                          <a:latin typeface="Times New Roman" panose="02020603050405020304" pitchFamily="18" charset="0"/>
+                          <a:cs typeface="Times New Roman" panose="02020603050405020304" pitchFamily="18" charset="0"/>
+                        </a:rPr>
+                        <a:t>Sequencing </a:t>
+                      </a:r>
+                      <a:r>
                         <a:rPr lang="en-US" altLang="zh-CN" sz="2300" spc="100" baseline="0" dirty="0">
                           <a:latin typeface="Times New Roman" panose="02020603050405020304" pitchFamily="18" charset="0"/>
                           <a:cs typeface="Times New Roman" panose="02020603050405020304" pitchFamily="18" charset="0"/>
                         </a:rPr>
-                        <a:t>Sequencing and characterizing short tandem repeats in human genome</a:t>
+                        <a:t>and characterizing short tandem repeats in human genome</a:t>
                       </a:r>
                       <a:endParaRPr lang="zh-CN" altLang="en-US" sz="2300" spc="100" baseline="0" dirty="0">
                         <a:latin typeface="Times New Roman" panose="02020603050405020304" pitchFamily="18" charset="0"/>
